--- a/Projet3.pptx
+++ b/Projet3.pptx
@@ -5,7 +5,7 @@
     <p:sldMasterId id="2147483767" r:id="rId1"/>
   </p:sldMasterIdLst>
   <p:notesMasterIdLst>
-    <p:notesMasterId r:id="rId20"/>
+    <p:notesMasterId r:id="rId18"/>
   </p:notesMasterIdLst>
   <p:sldIdLst>
     <p:sldId id="256" r:id="rId2"/>
@@ -17,15 +17,13 @@
     <p:sldId id="269" r:id="rId8"/>
     <p:sldId id="270" r:id="rId9"/>
     <p:sldId id="271" r:id="rId10"/>
-    <p:sldId id="277" r:id="rId11"/>
-    <p:sldId id="278" r:id="rId12"/>
-    <p:sldId id="262" r:id="rId13"/>
-    <p:sldId id="274" r:id="rId14"/>
-    <p:sldId id="275" r:id="rId15"/>
-    <p:sldId id="276" r:id="rId16"/>
-    <p:sldId id="263" r:id="rId17"/>
-    <p:sldId id="267" r:id="rId18"/>
-    <p:sldId id="266" r:id="rId19"/>
+    <p:sldId id="278" r:id="rId11"/>
+    <p:sldId id="262" r:id="rId12"/>
+    <p:sldId id="274" r:id="rId13"/>
+    <p:sldId id="275" r:id="rId14"/>
+    <p:sldId id="276" r:id="rId15"/>
+    <p:sldId id="263" r:id="rId16"/>
+    <p:sldId id="266" r:id="rId17"/>
   </p:sldIdLst>
   <p:sldSz cx="12192000" cy="6858000"/>
   <p:notesSz cx="6858000" cy="9144000"/>
@@ -4482,43 +4480,6 @@
           </a:p>
         </p:txBody>
       </p:sp>
-      <p:pic>
-        <p:nvPicPr>
-          <p:cNvPr id="8" name="Espace réservé du contenu 7"/>
-          <p:cNvPicPr>
-            <a:picLocks noGrp="1" noChangeAspect="1"/>
-          </p:cNvPicPr>
-          <p:nvPr>
-            <p:ph sz="half" idx="1"/>
-          </p:nvPr>
-        </p:nvPicPr>
-        <p:blipFill>
-          <a:blip r:embed="rId2">
-            <a:extLst>
-              <a:ext uri="{28A0092B-C50C-407E-A947-70E740481C1C}">
-                <a14:useLocalDpi xmlns:a14="http://schemas.microsoft.com/office/drawing/2010/main" val="0"/>
-              </a:ext>
-            </a:extLst>
-          </a:blip>
-          <a:stretch>
-            <a:fillRect/>
-          </a:stretch>
-        </p:blipFill>
-        <p:spPr>
-          <a:xfrm>
-            <a:off x="2178686" y="2921903"/>
-            <a:ext cx="4938712" cy="1584483"/>
-          </a:xfrm>
-          <a:prstGeom prst="rect">
-            <a:avLst/>
-          </a:prstGeom>
-          <a:ln>
-            <a:solidFill>
-              <a:schemeClr val="tx1"/>
-            </a:solidFill>
-          </a:ln>
-        </p:spPr>
-      </p:pic>
       <p:sp>
         <p:nvSpPr>
           <p:cNvPr id="4" name="Espace réservé du numéro de diapositive 3"/>
@@ -4803,644 +4764,6 @@
             <a:r>
               <a:rPr lang="fr-FR" sz="1200" dirty="0"/>
               <a:t>Démonstration</a:t>
-            </a:r>
-          </a:p>
-          <a:p>
-            <a:pPr marL="514350" indent="-514350">
-              <a:buFont typeface="+mj-lt"/>
-              <a:buAutoNum type="arabicPeriod"/>
-            </a:pPr>
-            <a:endParaRPr lang="fr-FR" sz="1200" dirty="0"/>
-          </a:p>
-          <a:p>
-            <a:pPr marL="514350" indent="-514350">
-              <a:buFont typeface="+mj-lt"/>
-              <a:buAutoNum type="arabicPeriod"/>
-            </a:pPr>
-            <a:r>
-              <a:rPr lang="fr-FR" sz="1200" dirty="0"/>
-              <a:t>Bilan</a:t>
-            </a:r>
-          </a:p>
-          <a:p>
-            <a:pPr marL="514350" indent="-514350">
-              <a:buFont typeface="+mj-lt"/>
-              <a:buAutoNum type="arabicPeriod"/>
-            </a:pPr>
-            <a:endParaRPr lang="fr-FR" sz="1200" dirty="0"/>
-          </a:p>
-          <a:p>
-            <a:pPr marL="514350" indent="-514350">
-              <a:buFont typeface="+mj-lt"/>
-              <a:buAutoNum type="arabicPeriod"/>
-            </a:pPr>
-            <a:r>
-              <a:rPr lang="fr-FR" sz="1200" dirty="0"/>
-              <a:t>Conclusion</a:t>
-            </a:r>
-          </a:p>
-        </p:txBody>
-      </p:sp>
-      <p:sp>
-        <p:nvSpPr>
-          <p:cNvPr id="3" name="ZoneTexte 2"/>
-          <p:cNvSpPr txBox="1"/>
-          <p:nvPr/>
-        </p:nvSpPr>
-        <p:spPr>
-          <a:xfrm>
-            <a:off x="4021667" y="1853188"/>
-            <a:ext cx="4588933" cy="461665"/>
-          </a:xfrm>
-          <a:prstGeom prst="rect">
-            <a:avLst/>
-          </a:prstGeom>
-          <a:noFill/>
-        </p:spPr>
-        <p:txBody>
-          <a:bodyPr wrap="square" rtlCol="0">
-            <a:spAutoFit/>
-          </a:bodyPr>
-          <a:lstStyle/>
-          <a:p>
-            <a:r>
-              <a:rPr lang="fr-FR" sz="2400" dirty="0"/>
-              <a:t>Référencement</a:t>
-            </a:r>
-          </a:p>
-        </p:txBody>
-      </p:sp>
-      <p:pic>
-        <p:nvPicPr>
-          <p:cNvPr id="9" name="Image 8"/>
-          <p:cNvPicPr>
-            <a:picLocks noChangeAspect="1"/>
-          </p:cNvPicPr>
-          <p:nvPr/>
-        </p:nvPicPr>
-        <p:blipFill>
-          <a:blip r:embed="rId3">
-            <a:extLst>
-              <a:ext uri="{28A0092B-C50C-407E-A947-70E740481C1C}">
-                <a14:useLocalDpi xmlns:a14="http://schemas.microsoft.com/office/drawing/2010/main" val="0"/>
-              </a:ext>
-            </a:extLst>
-          </a:blip>
-          <a:stretch>
-            <a:fillRect/>
-          </a:stretch>
-        </p:blipFill>
-        <p:spPr>
-          <a:xfrm>
-            <a:off x="4021667" y="4762746"/>
-            <a:ext cx="7993760" cy="1493591"/>
-          </a:xfrm>
-          <a:prstGeom prst="rect">
-            <a:avLst/>
-          </a:prstGeom>
-          <a:ln>
-            <a:solidFill>
-              <a:schemeClr val="tx1"/>
-            </a:solidFill>
-          </a:ln>
-        </p:spPr>
-      </p:pic>
-      <p:pic>
-        <p:nvPicPr>
-          <p:cNvPr id="10" name="Image 9"/>
-          <p:cNvPicPr>
-            <a:picLocks noChangeAspect="1"/>
-          </p:cNvPicPr>
-          <p:nvPr/>
-        </p:nvPicPr>
-        <p:blipFill>
-          <a:blip r:embed="rId4" cstate="print">
-            <a:extLst>
-              <a:ext uri="{28A0092B-C50C-407E-A947-70E740481C1C}">
-                <a14:useLocalDpi xmlns:a14="http://schemas.microsoft.com/office/drawing/2010/main" val="0"/>
-              </a:ext>
-            </a:extLst>
-          </a:blip>
-          <a:stretch>
-            <a:fillRect/>
-          </a:stretch>
-        </p:blipFill>
-        <p:spPr>
-          <a:xfrm>
-            <a:off x="7246122" y="360905"/>
-            <a:ext cx="4769305" cy="3323527"/>
-          </a:xfrm>
-          <a:prstGeom prst="rect">
-            <a:avLst/>
-          </a:prstGeom>
-          <a:ln>
-            <a:solidFill>
-              <a:schemeClr val="tx1"/>
-            </a:solidFill>
-          </a:ln>
-        </p:spPr>
-      </p:pic>
-    </p:spTree>
-    <p:extLst>
-      <p:ext uri="{BB962C8B-B14F-4D97-AF65-F5344CB8AC3E}">
-        <p14:creationId xmlns:p14="http://schemas.microsoft.com/office/powerpoint/2010/main" val="2748836038"/>
-      </p:ext>
-    </p:extLst>
-  </p:cSld>
-  <p:clrMapOvr>
-    <a:masterClrMapping/>
-  </p:clrMapOvr>
-  <p:timing>
-    <p:tnLst>
-      <p:par>
-        <p:cTn id="1" dur="indefinite" restart="never" nodeType="tmRoot">
-          <p:childTnLst>
-            <p:seq concurrent="1" nextAc="seek">
-              <p:cTn id="2" dur="indefinite" nodeType="mainSeq">
-                <p:childTnLst>
-                  <p:par>
-                    <p:cTn id="3" fill="hold">
-                      <p:stCondLst>
-                        <p:cond delay="indefinite"/>
-                        <p:cond evt="onBegin" delay="0">
-                          <p:tn val="2"/>
-                        </p:cond>
-                      </p:stCondLst>
-                      <p:childTnLst>
-                        <p:par>
-                          <p:cTn id="4" fill="hold">
-                            <p:stCondLst>
-                              <p:cond delay="0"/>
-                            </p:stCondLst>
-                            <p:childTnLst>
-                              <p:par>
-                                <p:cTn id="5" presetID="45" presetClass="entr" presetSubtype="0" fill="hold" nodeType="withEffect">
-                                  <p:stCondLst>
-                                    <p:cond delay="0"/>
-                                  </p:stCondLst>
-                                  <p:childTnLst>
-                                    <p:set>
-                                      <p:cBhvr>
-                                        <p:cTn id="6" dur="1" fill="hold">
-                                          <p:stCondLst>
-                                            <p:cond delay="0"/>
-                                          </p:stCondLst>
-                                        </p:cTn>
-                                        <p:tgtEl>
-                                          <p:spTgt spid="7">
-                                            <p:txEl>
-                                              <p:pRg st="4" end="4"/>
-                                            </p:txEl>
-                                          </p:spTgt>
-                                        </p:tgtEl>
-                                        <p:attrNameLst>
-                                          <p:attrName>style.visibility</p:attrName>
-                                        </p:attrNameLst>
-                                      </p:cBhvr>
-                                      <p:to>
-                                        <p:strVal val="visible"/>
-                                      </p:to>
-                                    </p:set>
-                                    <p:animEffect transition="in" filter="fade">
-                                      <p:cBhvr>
-                                        <p:cTn id="7" dur="2000"/>
-                                        <p:tgtEl>
-                                          <p:spTgt spid="7">
-                                            <p:txEl>
-                                              <p:pRg st="4" end="4"/>
-                                            </p:txEl>
-                                          </p:spTgt>
-                                        </p:tgtEl>
-                                      </p:cBhvr>
-                                    </p:animEffect>
-                                    <p:anim calcmode="lin" valueType="num">
-                                      <p:cBhvr>
-                                        <p:cTn id="8" dur="2000" fill="hold"/>
-                                        <p:tgtEl>
-                                          <p:spTgt spid="7">
-                                            <p:txEl>
-                                              <p:pRg st="4" end="4"/>
-                                            </p:txEl>
-                                          </p:spTgt>
-                                        </p:tgtEl>
-                                        <p:attrNameLst>
-                                          <p:attrName>ppt_w</p:attrName>
-                                        </p:attrNameLst>
-                                      </p:cBhvr>
-                                      <p:tavLst>
-                                        <p:tav tm="0" fmla="#ppt_w*sin(2.5*pi*$)">
-                                          <p:val>
-                                            <p:fltVal val="0"/>
-                                          </p:val>
-                                        </p:tav>
-                                        <p:tav tm="100000">
-                                          <p:val>
-                                            <p:fltVal val="1"/>
-                                          </p:val>
-                                        </p:tav>
-                                      </p:tavLst>
-                                    </p:anim>
-                                    <p:anim calcmode="lin" valueType="num">
-                                      <p:cBhvr>
-                                        <p:cTn id="9" dur="2000" fill="hold"/>
-                                        <p:tgtEl>
-                                          <p:spTgt spid="7">
-                                            <p:txEl>
-                                              <p:pRg st="4" end="4"/>
-                                            </p:txEl>
-                                          </p:spTgt>
-                                        </p:tgtEl>
-                                        <p:attrNameLst>
-                                          <p:attrName>ppt_h</p:attrName>
-                                        </p:attrNameLst>
-                                      </p:cBhvr>
-                                      <p:tavLst>
-                                        <p:tav tm="0">
-                                          <p:val>
-                                            <p:strVal val="#ppt_h"/>
-                                          </p:val>
-                                        </p:tav>
-                                        <p:tav tm="100000">
-                                          <p:val>
-                                            <p:strVal val="#ppt_h"/>
-                                          </p:val>
-                                        </p:tav>
-                                      </p:tavLst>
-                                    </p:anim>
-                                  </p:childTnLst>
-                                </p:cTn>
-                              </p:par>
-                            </p:childTnLst>
-                          </p:cTn>
-                        </p:par>
-                      </p:childTnLst>
-                    </p:cTn>
-                  </p:par>
-                </p:childTnLst>
-              </p:cTn>
-              <p:prevCondLst>
-                <p:cond evt="onPrev" delay="0">
-                  <p:tgtEl>
-                    <p:sldTgt/>
-                  </p:tgtEl>
-                </p:cond>
-              </p:prevCondLst>
-              <p:nextCondLst>
-                <p:cond evt="onNext" delay="0">
-                  <p:tgtEl>
-                    <p:sldTgt/>
-                  </p:tgtEl>
-                </p:cond>
-              </p:nextCondLst>
-            </p:seq>
-          </p:childTnLst>
-        </p:cTn>
-      </p:par>
-    </p:tnLst>
-  </p:timing>
-</p:sld>
-</file>
-
-<file path=ppt/slides/slide11.xml><?xml version="1.0" encoding="utf-8"?>
-<p:sld xmlns:a="http://schemas.openxmlformats.org/drawingml/2006/main" xmlns:r="http://schemas.openxmlformats.org/officeDocument/2006/relationships" xmlns:p="http://schemas.openxmlformats.org/presentationml/2006/main">
-  <p:cSld>
-    <p:spTree>
-      <p:nvGrpSpPr>
-        <p:cNvPr id="1" name=""/>
-        <p:cNvGrpSpPr/>
-        <p:nvPr/>
-      </p:nvGrpSpPr>
-      <p:grpSpPr>
-        <a:xfrm>
-          <a:off x="0" y="0"/>
-          <a:ext cx="0" cy="0"/>
-          <a:chOff x="0" y="0"/>
-          <a:chExt cx="0" cy="0"/>
-        </a:xfrm>
-      </p:grpSpPr>
-      <p:sp>
-        <p:nvSpPr>
-          <p:cNvPr id="5" name="Titre 4"/>
-          <p:cNvSpPr>
-            <a:spLocks noGrp="1"/>
-          </p:cNvSpPr>
-          <p:nvPr>
-            <p:ph type="title"/>
-          </p:nvPr>
-        </p:nvSpPr>
-        <p:spPr/>
-        <p:txBody>
-          <a:bodyPr/>
-          <a:lstStyle/>
-          <a:p>
-            <a:r>
-              <a:rPr lang="fr-FR" sz="3600" dirty="0"/>
-              <a:t>3: Notre analyse</a:t>
-            </a:r>
-          </a:p>
-        </p:txBody>
-      </p:sp>
-      <p:sp>
-        <p:nvSpPr>
-          <p:cNvPr id="4" name="Espace réservé du numéro de diapositive 3"/>
-          <p:cNvSpPr>
-            <a:spLocks noGrp="1"/>
-          </p:cNvSpPr>
-          <p:nvPr>
-            <p:ph type="sldNum" sz="quarter" idx="12"/>
-          </p:nvPr>
-        </p:nvSpPr>
-        <p:spPr/>
-        <p:txBody>
-          <a:bodyPr/>
-          <a:lstStyle/>
-          <a:p>
-            <a:fld id="{9EBE3992-4176-434F-B04B-911E8BC7B692}" type="slidenum">
-              <a:rPr lang="fr-FR" smtClean="0"/>
-              <a:t>11</a:t>
-            </a:fld>
-            <a:endParaRPr lang="fr-FR"/>
-          </a:p>
-        </p:txBody>
-      </p:sp>
-      <p:sp>
-        <p:nvSpPr>
-          <p:cNvPr id="7" name="Espace réservé du contenu 2"/>
-          <p:cNvSpPr txBox="1">
-            <a:spLocks/>
-          </p:cNvSpPr>
-          <p:nvPr/>
-        </p:nvSpPr>
-        <p:spPr>
-          <a:xfrm>
-            <a:off x="276835" y="2237381"/>
-            <a:ext cx="2497139" cy="4018956"/>
-          </a:xfrm>
-          <a:prstGeom prst="rect">
-            <a:avLst/>
-          </a:prstGeom>
-        </p:spPr>
-        <p:txBody>
-          <a:bodyPr vert="horz" lIns="91440" tIns="45720" rIns="91440" bIns="45720" rtlCol="0">
-            <a:normAutofit/>
-          </a:bodyPr>
-          <a:lstStyle>
-            <a:lvl1pPr marL="228600" indent="-228600" algn="l" defTabSz="914400" rtl="0" eaLnBrk="1" latinLnBrk="0" hangingPunct="1">
-              <a:lnSpc>
-                <a:spcPct val="90000"/>
-              </a:lnSpc>
-              <a:spcBef>
-                <a:spcPts val="1000"/>
-              </a:spcBef>
-              <a:buFont typeface="Arial" panose="020B0604020202020204" pitchFamily="34" charset="0"/>
-              <a:buChar char="•"/>
-              <a:defRPr sz="2800" kern="1200">
-                <a:solidFill>
-                  <a:schemeClr val="tx1"/>
-                </a:solidFill>
-                <a:latin typeface="+mn-lt"/>
-                <a:ea typeface="+mn-ea"/>
-                <a:cs typeface="+mn-cs"/>
-              </a:defRPr>
-            </a:lvl1pPr>
-            <a:lvl2pPr marL="685800" indent="-228600" algn="l" defTabSz="914400" rtl="0" eaLnBrk="1" latinLnBrk="0" hangingPunct="1">
-              <a:lnSpc>
-                <a:spcPct val="90000"/>
-              </a:lnSpc>
-              <a:spcBef>
-                <a:spcPts val="500"/>
-              </a:spcBef>
-              <a:buFont typeface="Arial" panose="020B0604020202020204" pitchFamily="34" charset="0"/>
-              <a:buChar char="•"/>
-              <a:defRPr sz="2400" kern="1200">
-                <a:solidFill>
-                  <a:schemeClr val="tx1"/>
-                </a:solidFill>
-                <a:latin typeface="+mn-lt"/>
-                <a:ea typeface="+mn-ea"/>
-                <a:cs typeface="+mn-cs"/>
-              </a:defRPr>
-            </a:lvl2pPr>
-            <a:lvl3pPr marL="1143000" indent="-228600" algn="l" defTabSz="914400" rtl="0" eaLnBrk="1" latinLnBrk="0" hangingPunct="1">
-              <a:lnSpc>
-                <a:spcPct val="90000"/>
-              </a:lnSpc>
-              <a:spcBef>
-                <a:spcPts val="500"/>
-              </a:spcBef>
-              <a:buFont typeface="Arial" panose="020B0604020202020204" pitchFamily="34" charset="0"/>
-              <a:buChar char="•"/>
-              <a:defRPr sz="2000" kern="1200">
-                <a:solidFill>
-                  <a:schemeClr val="tx1"/>
-                </a:solidFill>
-                <a:latin typeface="+mn-lt"/>
-                <a:ea typeface="+mn-ea"/>
-                <a:cs typeface="+mn-cs"/>
-              </a:defRPr>
-            </a:lvl3pPr>
-            <a:lvl4pPr marL="1600200" indent="-228600" algn="l" defTabSz="914400" rtl="0" eaLnBrk="1" latinLnBrk="0" hangingPunct="1">
-              <a:lnSpc>
-                <a:spcPct val="90000"/>
-              </a:lnSpc>
-              <a:spcBef>
-                <a:spcPts val="500"/>
-              </a:spcBef>
-              <a:buFont typeface="Arial" panose="020B0604020202020204" pitchFamily="34" charset="0"/>
-              <a:buChar char="•"/>
-              <a:defRPr sz="1800" kern="1200">
-                <a:solidFill>
-                  <a:schemeClr val="tx1"/>
-                </a:solidFill>
-                <a:latin typeface="+mn-lt"/>
-                <a:ea typeface="+mn-ea"/>
-                <a:cs typeface="+mn-cs"/>
-              </a:defRPr>
-            </a:lvl4pPr>
-            <a:lvl5pPr marL="2057400" indent="-228600" algn="l" defTabSz="914400" rtl="0" eaLnBrk="1" latinLnBrk="0" hangingPunct="1">
-              <a:lnSpc>
-                <a:spcPct val="90000"/>
-              </a:lnSpc>
-              <a:spcBef>
-                <a:spcPts val="500"/>
-              </a:spcBef>
-              <a:buFont typeface="Arial" panose="020B0604020202020204" pitchFamily="34" charset="0"/>
-              <a:buChar char="•"/>
-              <a:defRPr sz="1800" kern="1200">
-                <a:solidFill>
-                  <a:schemeClr val="tx1"/>
-                </a:solidFill>
-                <a:latin typeface="+mn-lt"/>
-                <a:ea typeface="+mn-ea"/>
-                <a:cs typeface="+mn-cs"/>
-              </a:defRPr>
-            </a:lvl5pPr>
-            <a:lvl6pPr marL="2514600" indent="-228600" algn="l" defTabSz="914400" rtl="0" eaLnBrk="1" latinLnBrk="0" hangingPunct="1">
-              <a:lnSpc>
-                <a:spcPct val="90000"/>
-              </a:lnSpc>
-              <a:spcBef>
-                <a:spcPts val="500"/>
-              </a:spcBef>
-              <a:buFont typeface="Arial" panose="020B0604020202020204" pitchFamily="34" charset="0"/>
-              <a:buChar char="•"/>
-              <a:defRPr sz="1800" kern="1200">
-                <a:solidFill>
-                  <a:schemeClr val="tx1"/>
-                </a:solidFill>
-                <a:latin typeface="+mn-lt"/>
-                <a:ea typeface="+mn-ea"/>
-                <a:cs typeface="+mn-cs"/>
-              </a:defRPr>
-            </a:lvl6pPr>
-            <a:lvl7pPr marL="2971800" indent="-228600" algn="l" defTabSz="914400" rtl="0" eaLnBrk="1" latinLnBrk="0" hangingPunct="1">
-              <a:lnSpc>
-                <a:spcPct val="90000"/>
-              </a:lnSpc>
-              <a:spcBef>
-                <a:spcPts val="500"/>
-              </a:spcBef>
-              <a:buFont typeface="Arial" panose="020B0604020202020204" pitchFamily="34" charset="0"/>
-              <a:buChar char="•"/>
-              <a:defRPr sz="1800" kern="1200">
-                <a:solidFill>
-                  <a:schemeClr val="tx1"/>
-                </a:solidFill>
-                <a:latin typeface="+mn-lt"/>
-                <a:ea typeface="+mn-ea"/>
-                <a:cs typeface="+mn-cs"/>
-              </a:defRPr>
-            </a:lvl7pPr>
-            <a:lvl8pPr marL="3429000" indent="-228600" algn="l" defTabSz="914400" rtl="0" eaLnBrk="1" latinLnBrk="0" hangingPunct="1">
-              <a:lnSpc>
-                <a:spcPct val="90000"/>
-              </a:lnSpc>
-              <a:spcBef>
-                <a:spcPts val="500"/>
-              </a:spcBef>
-              <a:buFont typeface="Arial" panose="020B0604020202020204" pitchFamily="34" charset="0"/>
-              <a:buChar char="•"/>
-              <a:defRPr sz="1800" kern="1200">
-                <a:solidFill>
-                  <a:schemeClr val="tx1"/>
-                </a:solidFill>
-                <a:latin typeface="+mn-lt"/>
-                <a:ea typeface="+mn-ea"/>
-                <a:cs typeface="+mn-cs"/>
-              </a:defRPr>
-            </a:lvl8pPr>
-            <a:lvl9pPr marL="3886200" indent="-228600" algn="l" defTabSz="914400" rtl="0" eaLnBrk="1" latinLnBrk="0" hangingPunct="1">
-              <a:lnSpc>
-                <a:spcPct val="90000"/>
-              </a:lnSpc>
-              <a:spcBef>
-                <a:spcPts val="500"/>
-              </a:spcBef>
-              <a:buFont typeface="Arial" panose="020B0604020202020204" pitchFamily="34" charset="0"/>
-              <a:buChar char="•"/>
-              <a:defRPr sz="1800" kern="1200">
-                <a:solidFill>
-                  <a:schemeClr val="tx1"/>
-                </a:solidFill>
-                <a:latin typeface="+mn-lt"/>
-                <a:ea typeface="+mn-ea"/>
-                <a:cs typeface="+mn-cs"/>
-              </a:defRPr>
-            </a:lvl9pPr>
-          </a:lstStyle>
-          <a:p>
-            <a:pPr marL="514350" indent="-514350">
-              <a:buFont typeface="+mj-lt"/>
-              <a:buAutoNum type="arabicPeriod"/>
-            </a:pPr>
-            <a:r>
-              <a:rPr lang="fr-FR" sz="1200" dirty="0"/>
-              <a:t>La demande du client</a:t>
-            </a:r>
-          </a:p>
-          <a:p>
-            <a:pPr marL="514350" indent="-514350">
-              <a:buFont typeface="+mj-lt"/>
-              <a:buAutoNum type="arabicPeriod"/>
-            </a:pPr>
-            <a:endParaRPr lang="fr-FR" sz="1200" dirty="0"/>
-          </a:p>
-          <a:p>
-            <a:pPr marL="514350" indent="-514350">
-              <a:buFont typeface="+mj-lt"/>
-              <a:buAutoNum type="arabicPeriod"/>
-            </a:pPr>
-            <a:r>
-              <a:rPr lang="fr-FR" sz="1200" dirty="0"/>
-              <a:t>Notre organisation </a:t>
-            </a:r>
-          </a:p>
-          <a:p>
-            <a:pPr marL="514350" indent="-514350">
-              <a:buFont typeface="+mj-lt"/>
-              <a:buAutoNum type="arabicPeriod"/>
-            </a:pPr>
-            <a:endParaRPr lang="fr-FR" sz="1200" dirty="0"/>
-          </a:p>
-          <a:p>
-            <a:pPr marL="514350" indent="-514350">
-              <a:buFont typeface="+mj-lt"/>
-              <a:buAutoNum type="arabicPeriod"/>
-            </a:pPr>
-            <a:r>
-              <a:rPr lang="fr-FR" sz="1200" dirty="0"/>
-              <a:t>Notre analyse</a:t>
-            </a:r>
-          </a:p>
-          <a:p>
-            <a:pPr marL="514350" indent="-514350">
-              <a:buFont typeface="+mj-lt"/>
-              <a:buAutoNum type="arabicPeriod"/>
-            </a:pPr>
-            <a:endParaRPr lang="fr-FR" sz="1200" dirty="0"/>
-          </a:p>
-          <a:p>
-            <a:pPr marL="514350" indent="-514350">
-              <a:buFont typeface="+mj-lt"/>
-              <a:buAutoNum type="arabicPeriod"/>
-            </a:pPr>
-            <a:r>
-              <a:rPr lang="fr-FR" sz="1200" dirty="0"/>
-              <a:t>Le module</a:t>
-            </a:r>
-          </a:p>
-          <a:p>
-            <a:pPr marL="514350" indent="-514350">
-              <a:buFont typeface="+mj-lt"/>
-              <a:buAutoNum type="arabicPeriod"/>
-            </a:pPr>
-            <a:endParaRPr lang="fr-FR" sz="1200" dirty="0"/>
-          </a:p>
-          <a:p>
-            <a:pPr marL="514350" indent="-514350">
-              <a:buFont typeface="+mj-lt"/>
-              <a:buAutoNum type="arabicPeriod"/>
-            </a:pPr>
-            <a:r>
-              <a:rPr lang="fr-FR" sz="1200" dirty="0"/>
-              <a:t>Démonstration</a:t>
-            </a:r>
-          </a:p>
-          <a:p>
-            <a:pPr marL="514350" indent="-514350">
-              <a:buFont typeface="+mj-lt"/>
-              <a:buAutoNum type="arabicPeriod"/>
-            </a:pPr>
-            <a:endParaRPr lang="fr-FR" sz="1200" dirty="0"/>
-          </a:p>
-          <a:p>
-            <a:pPr marL="514350" indent="-514350">
-              <a:buFont typeface="+mj-lt"/>
-              <a:buAutoNum type="arabicPeriod"/>
-            </a:pPr>
-            <a:r>
-              <a:rPr lang="fr-FR" sz="1200" dirty="0"/>
-              <a:t>Bilan</a:t>
             </a:r>
           </a:p>
           <a:p>
@@ -5742,7 +5065,7 @@
 </p:sld>
 </file>
 
-<file path=ppt/slides/slide12.xml><?xml version="1.0" encoding="utf-8"?>
+<file path=ppt/slides/slide11.xml><?xml version="1.0" encoding="utf-8"?>
 <p:sld xmlns:a="http://schemas.openxmlformats.org/drawingml/2006/main" xmlns:r="http://schemas.openxmlformats.org/officeDocument/2006/relationships" xmlns:p="http://schemas.openxmlformats.org/presentationml/2006/main">
   <p:cSld>
     <p:spTree>
@@ -5841,7 +5164,7 @@
           <a:p>
             <a:fld id="{9EBE3992-4176-434F-B04B-911E8BC7B692}" type="slidenum">
               <a:rPr lang="fr-FR" smtClean="0"/>
-              <a:t>12</a:t>
+              <a:t>11</a:t>
             </a:fld>
             <a:endParaRPr lang="fr-FR"/>
           </a:p>
@@ -6108,23 +5431,6 @@
             <a:r>
               <a:rPr lang="fr-FR" sz="1200" dirty="0"/>
               <a:t>Démonstration</a:t>
-            </a:r>
-          </a:p>
-          <a:p>
-            <a:pPr marL="514350" indent="-514350">
-              <a:buFont typeface="+mj-lt"/>
-              <a:buAutoNum type="arabicPeriod"/>
-            </a:pPr>
-            <a:endParaRPr lang="fr-FR" sz="1200" dirty="0"/>
-          </a:p>
-          <a:p>
-            <a:pPr marL="514350" indent="-514350">
-              <a:buFont typeface="+mj-lt"/>
-              <a:buAutoNum type="arabicPeriod"/>
-            </a:pPr>
-            <a:r>
-              <a:rPr lang="fr-FR" sz="1200" dirty="0"/>
-              <a:t>Bilan</a:t>
             </a:r>
           </a:p>
           <a:p>
@@ -6336,7 +5642,7 @@
 </p:sld>
 </file>
 
-<file path=ppt/slides/slide13.xml><?xml version="1.0" encoding="utf-8"?>
+<file path=ppt/slides/slide12.xml><?xml version="1.0" encoding="utf-8"?>
 <p:sld xmlns:a="http://schemas.openxmlformats.org/drawingml/2006/main" xmlns:r="http://schemas.openxmlformats.org/officeDocument/2006/relationships" xmlns:p="http://schemas.openxmlformats.org/presentationml/2006/main">
   <p:cSld>
     <p:spTree>
@@ -6443,7 +5749,7 @@
           <a:p>
             <a:fld id="{9EBE3992-4176-434F-B04B-911E8BC7B692}" type="slidenum">
               <a:rPr lang="fr-FR" smtClean="0"/>
-              <a:t>13</a:t>
+              <a:t>12</a:t>
             </a:fld>
             <a:endParaRPr lang="fr-FR"/>
           </a:p>
@@ -6500,7 +5806,7 @@
         </p:blipFill>
         <p:spPr>
           <a:xfrm>
-            <a:off x="1854708" y="2496351"/>
+            <a:off x="2269903" y="2461939"/>
             <a:ext cx="2592514" cy="2592514"/>
           </a:xfrm>
           <a:prstGeom prst="rect">
@@ -6508,6 +5814,288 @@
           </a:prstGeom>
         </p:spPr>
       </p:pic>
+      <p:sp>
+        <p:nvSpPr>
+          <p:cNvPr id="8" name="Espace réservé du contenu 2"/>
+          <p:cNvSpPr txBox="1">
+            <a:spLocks/>
+          </p:cNvSpPr>
+          <p:nvPr/>
+        </p:nvSpPr>
+        <p:spPr>
+          <a:xfrm>
+            <a:off x="276835" y="2237381"/>
+            <a:ext cx="2497139" cy="4018956"/>
+          </a:xfrm>
+          <a:prstGeom prst="rect">
+            <a:avLst/>
+          </a:prstGeom>
+        </p:spPr>
+        <p:txBody>
+          <a:bodyPr vert="horz" lIns="91440" tIns="45720" rIns="91440" bIns="45720" rtlCol="0">
+            <a:normAutofit/>
+          </a:bodyPr>
+          <a:lstStyle>
+            <a:lvl1pPr marL="228600" indent="-228600" algn="l" defTabSz="914400" rtl="0" eaLnBrk="1" latinLnBrk="0" hangingPunct="1">
+              <a:lnSpc>
+                <a:spcPct val="90000"/>
+              </a:lnSpc>
+              <a:spcBef>
+                <a:spcPts val="1000"/>
+              </a:spcBef>
+              <a:buFont typeface="Arial" panose="020B0604020202020204" pitchFamily="34" charset="0"/>
+              <a:buChar char="•"/>
+              <a:defRPr sz="2800" kern="1200">
+                <a:solidFill>
+                  <a:schemeClr val="tx1"/>
+                </a:solidFill>
+                <a:latin typeface="+mn-lt"/>
+                <a:ea typeface="+mn-ea"/>
+                <a:cs typeface="+mn-cs"/>
+              </a:defRPr>
+            </a:lvl1pPr>
+            <a:lvl2pPr marL="685800" indent="-228600" algn="l" defTabSz="914400" rtl="0" eaLnBrk="1" latinLnBrk="0" hangingPunct="1">
+              <a:lnSpc>
+                <a:spcPct val="90000"/>
+              </a:lnSpc>
+              <a:spcBef>
+                <a:spcPts val="500"/>
+              </a:spcBef>
+              <a:buFont typeface="Arial" panose="020B0604020202020204" pitchFamily="34" charset="0"/>
+              <a:buChar char="•"/>
+              <a:defRPr sz="2400" kern="1200">
+                <a:solidFill>
+                  <a:schemeClr val="tx1"/>
+                </a:solidFill>
+                <a:latin typeface="+mn-lt"/>
+                <a:ea typeface="+mn-ea"/>
+                <a:cs typeface="+mn-cs"/>
+              </a:defRPr>
+            </a:lvl2pPr>
+            <a:lvl3pPr marL="1143000" indent="-228600" algn="l" defTabSz="914400" rtl="0" eaLnBrk="1" latinLnBrk="0" hangingPunct="1">
+              <a:lnSpc>
+                <a:spcPct val="90000"/>
+              </a:lnSpc>
+              <a:spcBef>
+                <a:spcPts val="500"/>
+              </a:spcBef>
+              <a:buFont typeface="Arial" panose="020B0604020202020204" pitchFamily="34" charset="0"/>
+              <a:buChar char="•"/>
+              <a:defRPr sz="2000" kern="1200">
+                <a:solidFill>
+                  <a:schemeClr val="tx1"/>
+                </a:solidFill>
+                <a:latin typeface="+mn-lt"/>
+                <a:ea typeface="+mn-ea"/>
+                <a:cs typeface="+mn-cs"/>
+              </a:defRPr>
+            </a:lvl3pPr>
+            <a:lvl4pPr marL="1600200" indent="-228600" algn="l" defTabSz="914400" rtl="0" eaLnBrk="1" latinLnBrk="0" hangingPunct="1">
+              <a:lnSpc>
+                <a:spcPct val="90000"/>
+              </a:lnSpc>
+              <a:spcBef>
+                <a:spcPts val="500"/>
+              </a:spcBef>
+              <a:buFont typeface="Arial" panose="020B0604020202020204" pitchFamily="34" charset="0"/>
+              <a:buChar char="•"/>
+              <a:defRPr sz="1800" kern="1200">
+                <a:solidFill>
+                  <a:schemeClr val="tx1"/>
+                </a:solidFill>
+                <a:latin typeface="+mn-lt"/>
+                <a:ea typeface="+mn-ea"/>
+                <a:cs typeface="+mn-cs"/>
+              </a:defRPr>
+            </a:lvl4pPr>
+            <a:lvl5pPr marL="2057400" indent="-228600" algn="l" defTabSz="914400" rtl="0" eaLnBrk="1" latinLnBrk="0" hangingPunct="1">
+              <a:lnSpc>
+                <a:spcPct val="90000"/>
+              </a:lnSpc>
+              <a:spcBef>
+                <a:spcPts val="500"/>
+              </a:spcBef>
+              <a:buFont typeface="Arial" panose="020B0604020202020204" pitchFamily="34" charset="0"/>
+              <a:buChar char="•"/>
+              <a:defRPr sz="1800" kern="1200">
+                <a:solidFill>
+                  <a:schemeClr val="tx1"/>
+                </a:solidFill>
+                <a:latin typeface="+mn-lt"/>
+                <a:ea typeface="+mn-ea"/>
+                <a:cs typeface="+mn-cs"/>
+              </a:defRPr>
+            </a:lvl5pPr>
+            <a:lvl6pPr marL="2514600" indent="-228600" algn="l" defTabSz="914400" rtl="0" eaLnBrk="1" latinLnBrk="0" hangingPunct="1">
+              <a:lnSpc>
+                <a:spcPct val="90000"/>
+              </a:lnSpc>
+              <a:spcBef>
+                <a:spcPts val="500"/>
+              </a:spcBef>
+              <a:buFont typeface="Arial" panose="020B0604020202020204" pitchFamily="34" charset="0"/>
+              <a:buChar char="•"/>
+              <a:defRPr sz="1800" kern="1200">
+                <a:solidFill>
+                  <a:schemeClr val="tx1"/>
+                </a:solidFill>
+                <a:latin typeface="+mn-lt"/>
+                <a:ea typeface="+mn-ea"/>
+                <a:cs typeface="+mn-cs"/>
+              </a:defRPr>
+            </a:lvl6pPr>
+            <a:lvl7pPr marL="2971800" indent="-228600" algn="l" defTabSz="914400" rtl="0" eaLnBrk="1" latinLnBrk="0" hangingPunct="1">
+              <a:lnSpc>
+                <a:spcPct val="90000"/>
+              </a:lnSpc>
+              <a:spcBef>
+                <a:spcPts val="500"/>
+              </a:spcBef>
+              <a:buFont typeface="Arial" panose="020B0604020202020204" pitchFamily="34" charset="0"/>
+              <a:buChar char="•"/>
+              <a:defRPr sz="1800" kern="1200">
+                <a:solidFill>
+                  <a:schemeClr val="tx1"/>
+                </a:solidFill>
+                <a:latin typeface="+mn-lt"/>
+                <a:ea typeface="+mn-ea"/>
+                <a:cs typeface="+mn-cs"/>
+              </a:defRPr>
+            </a:lvl7pPr>
+            <a:lvl8pPr marL="3429000" indent="-228600" algn="l" defTabSz="914400" rtl="0" eaLnBrk="1" latinLnBrk="0" hangingPunct="1">
+              <a:lnSpc>
+                <a:spcPct val="90000"/>
+              </a:lnSpc>
+              <a:spcBef>
+                <a:spcPts val="500"/>
+              </a:spcBef>
+              <a:buFont typeface="Arial" panose="020B0604020202020204" pitchFamily="34" charset="0"/>
+              <a:buChar char="•"/>
+              <a:defRPr sz="1800" kern="1200">
+                <a:solidFill>
+                  <a:schemeClr val="tx1"/>
+                </a:solidFill>
+                <a:latin typeface="+mn-lt"/>
+                <a:ea typeface="+mn-ea"/>
+                <a:cs typeface="+mn-cs"/>
+              </a:defRPr>
+            </a:lvl8pPr>
+            <a:lvl9pPr marL="3886200" indent="-228600" algn="l" defTabSz="914400" rtl="0" eaLnBrk="1" latinLnBrk="0" hangingPunct="1">
+              <a:lnSpc>
+                <a:spcPct val="90000"/>
+              </a:lnSpc>
+              <a:spcBef>
+                <a:spcPts val="500"/>
+              </a:spcBef>
+              <a:buFont typeface="Arial" panose="020B0604020202020204" pitchFamily="34" charset="0"/>
+              <a:buChar char="•"/>
+              <a:defRPr sz="1800" kern="1200">
+                <a:solidFill>
+                  <a:schemeClr val="tx1"/>
+                </a:solidFill>
+                <a:latin typeface="+mn-lt"/>
+                <a:ea typeface="+mn-ea"/>
+                <a:cs typeface="+mn-cs"/>
+              </a:defRPr>
+            </a:lvl9pPr>
+          </a:lstStyle>
+          <a:p>
+            <a:pPr marL="514350" indent="-514350">
+              <a:buFont typeface="+mj-lt"/>
+              <a:buAutoNum type="arabicPeriod"/>
+            </a:pPr>
+            <a:r>
+              <a:rPr lang="fr-FR" sz="1200" dirty="0"/>
+              <a:t>La demande du client</a:t>
+            </a:r>
+          </a:p>
+          <a:p>
+            <a:pPr marL="514350" indent="-514350">
+              <a:buFont typeface="+mj-lt"/>
+              <a:buAutoNum type="arabicPeriod"/>
+            </a:pPr>
+            <a:endParaRPr lang="fr-FR" sz="1200" dirty="0"/>
+          </a:p>
+          <a:p>
+            <a:pPr marL="514350" indent="-514350">
+              <a:buFont typeface="+mj-lt"/>
+              <a:buAutoNum type="arabicPeriod"/>
+            </a:pPr>
+            <a:r>
+              <a:rPr lang="fr-FR" sz="1200" dirty="0"/>
+              <a:t>Notre organisation </a:t>
+            </a:r>
+          </a:p>
+          <a:p>
+            <a:pPr marL="514350" indent="-514350">
+              <a:buFont typeface="+mj-lt"/>
+              <a:buAutoNum type="arabicPeriod"/>
+            </a:pPr>
+            <a:endParaRPr lang="fr-FR" sz="1200" dirty="0"/>
+          </a:p>
+          <a:p>
+            <a:pPr marL="514350" indent="-514350">
+              <a:buFont typeface="+mj-lt"/>
+              <a:buAutoNum type="arabicPeriod"/>
+            </a:pPr>
+            <a:r>
+              <a:rPr lang="fr-FR" sz="1200" dirty="0"/>
+              <a:t>Notre analyse</a:t>
+            </a:r>
+          </a:p>
+          <a:p>
+            <a:pPr marL="514350" indent="-514350">
+              <a:buFont typeface="+mj-lt"/>
+              <a:buAutoNum type="arabicPeriod"/>
+            </a:pPr>
+            <a:endParaRPr lang="fr-FR" sz="1200" dirty="0"/>
+          </a:p>
+          <a:p>
+            <a:pPr marL="514350" indent="-514350">
+              <a:buFont typeface="+mj-lt"/>
+              <a:buAutoNum type="arabicPeriod"/>
+            </a:pPr>
+            <a:r>
+              <a:rPr lang="fr-FR" sz="1200" dirty="0"/>
+              <a:t>Le module</a:t>
+            </a:r>
+          </a:p>
+          <a:p>
+            <a:pPr marL="514350" indent="-514350">
+              <a:buFont typeface="+mj-lt"/>
+              <a:buAutoNum type="arabicPeriod"/>
+            </a:pPr>
+            <a:endParaRPr lang="fr-FR" sz="1200" dirty="0"/>
+          </a:p>
+          <a:p>
+            <a:pPr marL="514350" indent="-514350">
+              <a:buFont typeface="+mj-lt"/>
+              <a:buAutoNum type="arabicPeriod"/>
+            </a:pPr>
+            <a:r>
+              <a:rPr lang="fr-FR" sz="1200" dirty="0"/>
+              <a:t>Démonstration</a:t>
+            </a:r>
+          </a:p>
+          <a:p>
+            <a:pPr marL="514350" indent="-514350">
+              <a:buFont typeface="+mj-lt"/>
+              <a:buAutoNum type="arabicPeriod"/>
+            </a:pPr>
+            <a:endParaRPr lang="fr-FR" sz="1200" dirty="0"/>
+          </a:p>
+          <a:p>
+            <a:pPr marL="514350" indent="-514350">
+              <a:buFont typeface="+mj-lt"/>
+              <a:buAutoNum type="arabicPeriod"/>
+            </a:pPr>
+            <a:r>
+              <a:rPr lang="fr-FR" sz="1200" dirty="0"/>
+              <a:t>Conclusion</a:t>
+            </a:r>
+          </a:p>
+        </p:txBody>
+      </p:sp>
     </p:spTree>
     <p:extLst>
       <p:ext uri="{BB962C8B-B14F-4D97-AF65-F5344CB8AC3E}">
@@ -6518,10 +6106,158 @@
   <p:clrMapOvr>
     <a:masterClrMapping/>
   </p:clrMapOvr>
+  <p:timing>
+    <p:tnLst>
+      <p:par>
+        <p:cTn id="1" dur="indefinite" restart="never" nodeType="tmRoot">
+          <p:childTnLst>
+            <p:seq concurrent="1" nextAc="seek">
+              <p:cTn id="2" dur="indefinite" nodeType="mainSeq">
+                <p:childTnLst>
+                  <p:par>
+                    <p:cTn id="3" fill="hold">
+                      <p:stCondLst>
+                        <p:cond delay="indefinite"/>
+                        <p:cond evt="onBegin" delay="0">
+                          <p:tn val="2"/>
+                        </p:cond>
+                      </p:stCondLst>
+                      <p:childTnLst>
+                        <p:par>
+                          <p:cTn id="4" fill="hold">
+                            <p:stCondLst>
+                              <p:cond delay="0"/>
+                            </p:stCondLst>
+                            <p:childTnLst>
+                              <p:par>
+                                <p:cTn id="5" presetID="45" presetClass="entr" presetSubtype="0" fill="hold" nodeType="withEffect">
+                                  <p:stCondLst>
+                                    <p:cond delay="0"/>
+                                  </p:stCondLst>
+                                  <p:childTnLst>
+                                    <p:set>
+                                      <p:cBhvr>
+                                        <p:cTn id="6" dur="1" fill="hold">
+                                          <p:stCondLst>
+                                            <p:cond delay="0"/>
+                                          </p:stCondLst>
+                                        </p:cTn>
+                                        <p:tgtEl>
+                                          <p:spTgt spid="8">
+                                            <p:txEl>
+                                              <p:pRg st="6" end="6"/>
+                                            </p:txEl>
+                                          </p:spTgt>
+                                        </p:tgtEl>
+                                        <p:attrNameLst>
+                                          <p:attrName>style.visibility</p:attrName>
+                                        </p:attrNameLst>
+                                      </p:cBhvr>
+                                      <p:to>
+                                        <p:strVal val="visible"/>
+                                      </p:to>
+                                    </p:set>
+                                    <p:animEffect transition="in" filter="fade">
+                                      <p:cBhvr>
+                                        <p:cTn id="7" dur="2000"/>
+                                        <p:tgtEl>
+                                          <p:spTgt spid="8">
+                                            <p:txEl>
+                                              <p:pRg st="6" end="6"/>
+                                            </p:txEl>
+                                          </p:spTgt>
+                                        </p:tgtEl>
+                                      </p:cBhvr>
+                                    </p:animEffect>
+                                    <p:anim calcmode="lin" valueType="num">
+                                      <p:cBhvr>
+                                        <p:cTn id="8" dur="2000" fill="hold"/>
+                                        <p:tgtEl>
+                                          <p:spTgt spid="8">
+                                            <p:txEl>
+                                              <p:pRg st="6" end="6"/>
+                                            </p:txEl>
+                                          </p:spTgt>
+                                        </p:tgtEl>
+                                        <p:attrNameLst>
+                                          <p:attrName>ppt_w</p:attrName>
+                                        </p:attrNameLst>
+                                      </p:cBhvr>
+                                      <p:tavLst>
+                                        <p:tav tm="0" fmla="#ppt_w*sin(2.5*pi*$)">
+                                          <p:val>
+                                            <p:fltVal val="0"/>
+                                          </p:val>
+                                        </p:tav>
+                                        <p:tav tm="100000">
+                                          <p:val>
+                                            <p:fltVal val="1"/>
+                                          </p:val>
+                                        </p:tav>
+                                      </p:tavLst>
+                                    </p:anim>
+                                    <p:anim calcmode="lin" valueType="num">
+                                      <p:cBhvr>
+                                        <p:cTn id="9" dur="2000" fill="hold"/>
+                                        <p:tgtEl>
+                                          <p:spTgt spid="8">
+                                            <p:txEl>
+                                              <p:pRg st="6" end="6"/>
+                                            </p:txEl>
+                                          </p:spTgt>
+                                        </p:tgtEl>
+                                        <p:attrNameLst>
+                                          <p:attrName>ppt_h</p:attrName>
+                                        </p:attrNameLst>
+                                      </p:cBhvr>
+                                      <p:tavLst>
+                                        <p:tav tm="0">
+                                          <p:val>
+                                            <p:strVal val="#ppt_h"/>
+                                          </p:val>
+                                        </p:tav>
+                                        <p:tav tm="100000">
+                                          <p:val>
+                                            <p:strVal val="#ppt_h"/>
+                                          </p:val>
+                                        </p:tav>
+                                      </p:tavLst>
+                                    </p:anim>
+                                  </p:childTnLst>
+                                </p:cTn>
+                              </p:par>
+                            </p:childTnLst>
+                          </p:cTn>
+                        </p:par>
+                      </p:childTnLst>
+                    </p:cTn>
+                  </p:par>
+                </p:childTnLst>
+              </p:cTn>
+              <p:prevCondLst>
+                <p:cond evt="onPrev" delay="0">
+                  <p:tgtEl>
+                    <p:sldTgt/>
+                  </p:tgtEl>
+                </p:cond>
+              </p:prevCondLst>
+              <p:nextCondLst>
+                <p:cond evt="onNext" delay="0">
+                  <p:tgtEl>
+                    <p:sldTgt/>
+                  </p:tgtEl>
+                </p:cond>
+              </p:nextCondLst>
+            </p:seq>
+          </p:childTnLst>
+        </p:cTn>
+      </p:par>
+    </p:tnLst>
+  </p:timing>
 </p:sld>
 </file>
 
-<file path=ppt/slides/slide14.xml><?xml version="1.0" encoding="utf-8"?>
+<file path=ppt/slides/slide13.xml><?xml version="1.0" encoding="utf-8"?>
 <p:sld xmlns:a="http://schemas.openxmlformats.org/drawingml/2006/main" xmlns:r="http://schemas.openxmlformats.org/officeDocument/2006/relationships" xmlns:p="http://schemas.openxmlformats.org/presentationml/2006/main">
   <p:cSld>
     <p:spTree>
@@ -6584,7 +6320,7 @@
           <a:p>
             <a:fld id="{9EBE3992-4176-434F-B04B-911E8BC7B692}" type="slidenum">
               <a:rPr lang="fr-FR" smtClean="0"/>
-              <a:t>14</a:t>
+              <a:t>13</a:t>
             </a:fld>
             <a:endParaRPr lang="fr-FR"/>
           </a:p>
@@ -6709,6 +6445,288 @@
           </a:prstGeom>
         </p:spPr>
       </p:pic>
+      <p:sp>
+        <p:nvSpPr>
+          <p:cNvPr id="8" name="Espace réservé du contenu 2"/>
+          <p:cNvSpPr txBox="1">
+            <a:spLocks/>
+          </p:cNvSpPr>
+          <p:nvPr/>
+        </p:nvSpPr>
+        <p:spPr>
+          <a:xfrm>
+            <a:off x="276835" y="2237381"/>
+            <a:ext cx="2497139" cy="4018956"/>
+          </a:xfrm>
+          <a:prstGeom prst="rect">
+            <a:avLst/>
+          </a:prstGeom>
+        </p:spPr>
+        <p:txBody>
+          <a:bodyPr vert="horz" lIns="91440" tIns="45720" rIns="91440" bIns="45720" rtlCol="0">
+            <a:normAutofit/>
+          </a:bodyPr>
+          <a:lstStyle>
+            <a:lvl1pPr marL="228600" indent="-228600" algn="l" defTabSz="914400" rtl="0" eaLnBrk="1" latinLnBrk="0" hangingPunct="1">
+              <a:lnSpc>
+                <a:spcPct val="90000"/>
+              </a:lnSpc>
+              <a:spcBef>
+                <a:spcPts val="1000"/>
+              </a:spcBef>
+              <a:buFont typeface="Arial" panose="020B0604020202020204" pitchFamily="34" charset="0"/>
+              <a:buChar char="•"/>
+              <a:defRPr sz="2800" kern="1200">
+                <a:solidFill>
+                  <a:schemeClr val="tx1"/>
+                </a:solidFill>
+                <a:latin typeface="+mn-lt"/>
+                <a:ea typeface="+mn-ea"/>
+                <a:cs typeface="+mn-cs"/>
+              </a:defRPr>
+            </a:lvl1pPr>
+            <a:lvl2pPr marL="685800" indent="-228600" algn="l" defTabSz="914400" rtl="0" eaLnBrk="1" latinLnBrk="0" hangingPunct="1">
+              <a:lnSpc>
+                <a:spcPct val="90000"/>
+              </a:lnSpc>
+              <a:spcBef>
+                <a:spcPts val="500"/>
+              </a:spcBef>
+              <a:buFont typeface="Arial" panose="020B0604020202020204" pitchFamily="34" charset="0"/>
+              <a:buChar char="•"/>
+              <a:defRPr sz="2400" kern="1200">
+                <a:solidFill>
+                  <a:schemeClr val="tx1"/>
+                </a:solidFill>
+                <a:latin typeface="+mn-lt"/>
+                <a:ea typeface="+mn-ea"/>
+                <a:cs typeface="+mn-cs"/>
+              </a:defRPr>
+            </a:lvl2pPr>
+            <a:lvl3pPr marL="1143000" indent="-228600" algn="l" defTabSz="914400" rtl="0" eaLnBrk="1" latinLnBrk="0" hangingPunct="1">
+              <a:lnSpc>
+                <a:spcPct val="90000"/>
+              </a:lnSpc>
+              <a:spcBef>
+                <a:spcPts val="500"/>
+              </a:spcBef>
+              <a:buFont typeface="Arial" panose="020B0604020202020204" pitchFamily="34" charset="0"/>
+              <a:buChar char="•"/>
+              <a:defRPr sz="2000" kern="1200">
+                <a:solidFill>
+                  <a:schemeClr val="tx1"/>
+                </a:solidFill>
+                <a:latin typeface="+mn-lt"/>
+                <a:ea typeface="+mn-ea"/>
+                <a:cs typeface="+mn-cs"/>
+              </a:defRPr>
+            </a:lvl3pPr>
+            <a:lvl4pPr marL="1600200" indent="-228600" algn="l" defTabSz="914400" rtl="0" eaLnBrk="1" latinLnBrk="0" hangingPunct="1">
+              <a:lnSpc>
+                <a:spcPct val="90000"/>
+              </a:lnSpc>
+              <a:spcBef>
+                <a:spcPts val="500"/>
+              </a:spcBef>
+              <a:buFont typeface="Arial" panose="020B0604020202020204" pitchFamily="34" charset="0"/>
+              <a:buChar char="•"/>
+              <a:defRPr sz="1800" kern="1200">
+                <a:solidFill>
+                  <a:schemeClr val="tx1"/>
+                </a:solidFill>
+                <a:latin typeface="+mn-lt"/>
+                <a:ea typeface="+mn-ea"/>
+                <a:cs typeface="+mn-cs"/>
+              </a:defRPr>
+            </a:lvl4pPr>
+            <a:lvl5pPr marL="2057400" indent="-228600" algn="l" defTabSz="914400" rtl="0" eaLnBrk="1" latinLnBrk="0" hangingPunct="1">
+              <a:lnSpc>
+                <a:spcPct val="90000"/>
+              </a:lnSpc>
+              <a:spcBef>
+                <a:spcPts val="500"/>
+              </a:spcBef>
+              <a:buFont typeface="Arial" panose="020B0604020202020204" pitchFamily="34" charset="0"/>
+              <a:buChar char="•"/>
+              <a:defRPr sz="1800" kern="1200">
+                <a:solidFill>
+                  <a:schemeClr val="tx1"/>
+                </a:solidFill>
+                <a:latin typeface="+mn-lt"/>
+                <a:ea typeface="+mn-ea"/>
+                <a:cs typeface="+mn-cs"/>
+              </a:defRPr>
+            </a:lvl5pPr>
+            <a:lvl6pPr marL="2514600" indent="-228600" algn="l" defTabSz="914400" rtl="0" eaLnBrk="1" latinLnBrk="0" hangingPunct="1">
+              <a:lnSpc>
+                <a:spcPct val="90000"/>
+              </a:lnSpc>
+              <a:spcBef>
+                <a:spcPts val="500"/>
+              </a:spcBef>
+              <a:buFont typeface="Arial" panose="020B0604020202020204" pitchFamily="34" charset="0"/>
+              <a:buChar char="•"/>
+              <a:defRPr sz="1800" kern="1200">
+                <a:solidFill>
+                  <a:schemeClr val="tx1"/>
+                </a:solidFill>
+                <a:latin typeface="+mn-lt"/>
+                <a:ea typeface="+mn-ea"/>
+                <a:cs typeface="+mn-cs"/>
+              </a:defRPr>
+            </a:lvl6pPr>
+            <a:lvl7pPr marL="2971800" indent="-228600" algn="l" defTabSz="914400" rtl="0" eaLnBrk="1" latinLnBrk="0" hangingPunct="1">
+              <a:lnSpc>
+                <a:spcPct val="90000"/>
+              </a:lnSpc>
+              <a:spcBef>
+                <a:spcPts val="500"/>
+              </a:spcBef>
+              <a:buFont typeface="Arial" panose="020B0604020202020204" pitchFamily="34" charset="0"/>
+              <a:buChar char="•"/>
+              <a:defRPr sz="1800" kern="1200">
+                <a:solidFill>
+                  <a:schemeClr val="tx1"/>
+                </a:solidFill>
+                <a:latin typeface="+mn-lt"/>
+                <a:ea typeface="+mn-ea"/>
+                <a:cs typeface="+mn-cs"/>
+              </a:defRPr>
+            </a:lvl7pPr>
+            <a:lvl8pPr marL="3429000" indent="-228600" algn="l" defTabSz="914400" rtl="0" eaLnBrk="1" latinLnBrk="0" hangingPunct="1">
+              <a:lnSpc>
+                <a:spcPct val="90000"/>
+              </a:lnSpc>
+              <a:spcBef>
+                <a:spcPts val="500"/>
+              </a:spcBef>
+              <a:buFont typeface="Arial" panose="020B0604020202020204" pitchFamily="34" charset="0"/>
+              <a:buChar char="•"/>
+              <a:defRPr sz="1800" kern="1200">
+                <a:solidFill>
+                  <a:schemeClr val="tx1"/>
+                </a:solidFill>
+                <a:latin typeface="+mn-lt"/>
+                <a:ea typeface="+mn-ea"/>
+                <a:cs typeface="+mn-cs"/>
+              </a:defRPr>
+            </a:lvl8pPr>
+            <a:lvl9pPr marL="3886200" indent="-228600" algn="l" defTabSz="914400" rtl="0" eaLnBrk="1" latinLnBrk="0" hangingPunct="1">
+              <a:lnSpc>
+                <a:spcPct val="90000"/>
+              </a:lnSpc>
+              <a:spcBef>
+                <a:spcPts val="500"/>
+              </a:spcBef>
+              <a:buFont typeface="Arial" panose="020B0604020202020204" pitchFamily="34" charset="0"/>
+              <a:buChar char="•"/>
+              <a:defRPr sz="1800" kern="1200">
+                <a:solidFill>
+                  <a:schemeClr val="tx1"/>
+                </a:solidFill>
+                <a:latin typeface="+mn-lt"/>
+                <a:ea typeface="+mn-ea"/>
+                <a:cs typeface="+mn-cs"/>
+              </a:defRPr>
+            </a:lvl9pPr>
+          </a:lstStyle>
+          <a:p>
+            <a:pPr marL="514350" indent="-514350">
+              <a:buFont typeface="+mj-lt"/>
+              <a:buAutoNum type="arabicPeriod"/>
+            </a:pPr>
+            <a:r>
+              <a:rPr lang="fr-FR" sz="1200" dirty="0"/>
+              <a:t>La demande du client</a:t>
+            </a:r>
+          </a:p>
+          <a:p>
+            <a:pPr marL="514350" indent="-514350">
+              <a:buFont typeface="+mj-lt"/>
+              <a:buAutoNum type="arabicPeriod"/>
+            </a:pPr>
+            <a:endParaRPr lang="fr-FR" sz="1200" dirty="0"/>
+          </a:p>
+          <a:p>
+            <a:pPr marL="514350" indent="-514350">
+              <a:buFont typeface="+mj-lt"/>
+              <a:buAutoNum type="arabicPeriod"/>
+            </a:pPr>
+            <a:r>
+              <a:rPr lang="fr-FR" sz="1200" dirty="0"/>
+              <a:t>Notre organisation </a:t>
+            </a:r>
+          </a:p>
+          <a:p>
+            <a:pPr marL="514350" indent="-514350">
+              <a:buFont typeface="+mj-lt"/>
+              <a:buAutoNum type="arabicPeriod"/>
+            </a:pPr>
+            <a:endParaRPr lang="fr-FR" sz="1200" dirty="0"/>
+          </a:p>
+          <a:p>
+            <a:pPr marL="514350" indent="-514350">
+              <a:buFont typeface="+mj-lt"/>
+              <a:buAutoNum type="arabicPeriod"/>
+            </a:pPr>
+            <a:r>
+              <a:rPr lang="fr-FR" sz="1200" dirty="0"/>
+              <a:t>Notre analyse</a:t>
+            </a:r>
+          </a:p>
+          <a:p>
+            <a:pPr marL="514350" indent="-514350">
+              <a:buFont typeface="+mj-lt"/>
+              <a:buAutoNum type="arabicPeriod"/>
+            </a:pPr>
+            <a:endParaRPr lang="fr-FR" sz="1200" dirty="0"/>
+          </a:p>
+          <a:p>
+            <a:pPr marL="514350" indent="-514350">
+              <a:buFont typeface="+mj-lt"/>
+              <a:buAutoNum type="arabicPeriod"/>
+            </a:pPr>
+            <a:r>
+              <a:rPr lang="fr-FR" sz="1200" dirty="0"/>
+              <a:t>Le module</a:t>
+            </a:r>
+          </a:p>
+          <a:p>
+            <a:pPr marL="514350" indent="-514350">
+              <a:buFont typeface="+mj-lt"/>
+              <a:buAutoNum type="arabicPeriod"/>
+            </a:pPr>
+            <a:endParaRPr lang="fr-FR" sz="1200" dirty="0"/>
+          </a:p>
+          <a:p>
+            <a:pPr marL="514350" indent="-514350">
+              <a:buFont typeface="+mj-lt"/>
+              <a:buAutoNum type="arabicPeriod"/>
+            </a:pPr>
+            <a:r>
+              <a:rPr lang="fr-FR" sz="1200" dirty="0"/>
+              <a:t>Démonstration</a:t>
+            </a:r>
+          </a:p>
+          <a:p>
+            <a:pPr marL="514350" indent="-514350">
+              <a:buFont typeface="+mj-lt"/>
+              <a:buAutoNum type="arabicPeriod"/>
+            </a:pPr>
+            <a:endParaRPr lang="fr-FR" sz="1200" dirty="0"/>
+          </a:p>
+          <a:p>
+            <a:pPr marL="514350" indent="-514350">
+              <a:buFont typeface="+mj-lt"/>
+              <a:buAutoNum type="arabicPeriod"/>
+            </a:pPr>
+            <a:r>
+              <a:rPr lang="fr-FR" sz="1200" dirty="0"/>
+              <a:t>Conclusion</a:t>
+            </a:r>
+          </a:p>
+        </p:txBody>
+      </p:sp>
     </p:spTree>
     <p:extLst>
       <p:ext uri="{BB962C8B-B14F-4D97-AF65-F5344CB8AC3E}">
@@ -6719,10 +6737,158 @@
   <p:clrMapOvr>
     <a:masterClrMapping/>
   </p:clrMapOvr>
+  <p:timing>
+    <p:tnLst>
+      <p:par>
+        <p:cTn id="1" dur="indefinite" restart="never" nodeType="tmRoot">
+          <p:childTnLst>
+            <p:seq concurrent="1" nextAc="seek">
+              <p:cTn id="2" dur="indefinite" nodeType="mainSeq">
+                <p:childTnLst>
+                  <p:par>
+                    <p:cTn id="3" fill="hold">
+                      <p:stCondLst>
+                        <p:cond delay="indefinite"/>
+                        <p:cond evt="onBegin" delay="0">
+                          <p:tn val="2"/>
+                        </p:cond>
+                      </p:stCondLst>
+                      <p:childTnLst>
+                        <p:par>
+                          <p:cTn id="4" fill="hold">
+                            <p:stCondLst>
+                              <p:cond delay="0"/>
+                            </p:stCondLst>
+                            <p:childTnLst>
+                              <p:par>
+                                <p:cTn id="5" presetID="45" presetClass="entr" presetSubtype="0" fill="hold" nodeType="withEffect">
+                                  <p:stCondLst>
+                                    <p:cond delay="0"/>
+                                  </p:stCondLst>
+                                  <p:childTnLst>
+                                    <p:set>
+                                      <p:cBhvr>
+                                        <p:cTn id="6" dur="1" fill="hold">
+                                          <p:stCondLst>
+                                            <p:cond delay="0"/>
+                                          </p:stCondLst>
+                                        </p:cTn>
+                                        <p:tgtEl>
+                                          <p:spTgt spid="8">
+                                            <p:txEl>
+                                              <p:pRg st="6" end="6"/>
+                                            </p:txEl>
+                                          </p:spTgt>
+                                        </p:tgtEl>
+                                        <p:attrNameLst>
+                                          <p:attrName>style.visibility</p:attrName>
+                                        </p:attrNameLst>
+                                      </p:cBhvr>
+                                      <p:to>
+                                        <p:strVal val="visible"/>
+                                      </p:to>
+                                    </p:set>
+                                    <p:animEffect transition="in" filter="fade">
+                                      <p:cBhvr>
+                                        <p:cTn id="7" dur="2000"/>
+                                        <p:tgtEl>
+                                          <p:spTgt spid="8">
+                                            <p:txEl>
+                                              <p:pRg st="6" end="6"/>
+                                            </p:txEl>
+                                          </p:spTgt>
+                                        </p:tgtEl>
+                                      </p:cBhvr>
+                                    </p:animEffect>
+                                    <p:anim calcmode="lin" valueType="num">
+                                      <p:cBhvr>
+                                        <p:cTn id="8" dur="2000" fill="hold"/>
+                                        <p:tgtEl>
+                                          <p:spTgt spid="8">
+                                            <p:txEl>
+                                              <p:pRg st="6" end="6"/>
+                                            </p:txEl>
+                                          </p:spTgt>
+                                        </p:tgtEl>
+                                        <p:attrNameLst>
+                                          <p:attrName>ppt_w</p:attrName>
+                                        </p:attrNameLst>
+                                      </p:cBhvr>
+                                      <p:tavLst>
+                                        <p:tav tm="0" fmla="#ppt_w*sin(2.5*pi*$)">
+                                          <p:val>
+                                            <p:fltVal val="0"/>
+                                          </p:val>
+                                        </p:tav>
+                                        <p:tav tm="100000">
+                                          <p:val>
+                                            <p:fltVal val="1"/>
+                                          </p:val>
+                                        </p:tav>
+                                      </p:tavLst>
+                                    </p:anim>
+                                    <p:anim calcmode="lin" valueType="num">
+                                      <p:cBhvr>
+                                        <p:cTn id="9" dur="2000" fill="hold"/>
+                                        <p:tgtEl>
+                                          <p:spTgt spid="8">
+                                            <p:txEl>
+                                              <p:pRg st="6" end="6"/>
+                                            </p:txEl>
+                                          </p:spTgt>
+                                        </p:tgtEl>
+                                        <p:attrNameLst>
+                                          <p:attrName>ppt_h</p:attrName>
+                                        </p:attrNameLst>
+                                      </p:cBhvr>
+                                      <p:tavLst>
+                                        <p:tav tm="0">
+                                          <p:val>
+                                            <p:strVal val="#ppt_h"/>
+                                          </p:val>
+                                        </p:tav>
+                                        <p:tav tm="100000">
+                                          <p:val>
+                                            <p:strVal val="#ppt_h"/>
+                                          </p:val>
+                                        </p:tav>
+                                      </p:tavLst>
+                                    </p:anim>
+                                  </p:childTnLst>
+                                </p:cTn>
+                              </p:par>
+                            </p:childTnLst>
+                          </p:cTn>
+                        </p:par>
+                      </p:childTnLst>
+                    </p:cTn>
+                  </p:par>
+                </p:childTnLst>
+              </p:cTn>
+              <p:prevCondLst>
+                <p:cond evt="onPrev" delay="0">
+                  <p:tgtEl>
+                    <p:sldTgt/>
+                  </p:tgtEl>
+                </p:cond>
+              </p:prevCondLst>
+              <p:nextCondLst>
+                <p:cond evt="onNext" delay="0">
+                  <p:tgtEl>
+                    <p:sldTgt/>
+                  </p:tgtEl>
+                </p:cond>
+              </p:nextCondLst>
+            </p:seq>
+          </p:childTnLst>
+        </p:cTn>
+      </p:par>
+    </p:tnLst>
+  </p:timing>
 </p:sld>
 </file>
 
-<file path=ppt/slides/slide15.xml><?xml version="1.0" encoding="utf-8"?>
+<file path=ppt/slides/slide14.xml><?xml version="1.0" encoding="utf-8"?>
 <p:sld xmlns:a="http://schemas.openxmlformats.org/drawingml/2006/main" xmlns:r="http://schemas.openxmlformats.org/officeDocument/2006/relationships" xmlns:p="http://schemas.openxmlformats.org/presentationml/2006/main">
   <p:cSld>
     <p:spTree>
@@ -6785,7 +6951,7 @@
           <a:p>
             <a:fld id="{9EBE3992-4176-434F-B04B-911E8BC7B692}" type="slidenum">
               <a:rPr lang="fr-FR" smtClean="0"/>
-              <a:t>15</a:t>
+              <a:t>14</a:t>
             </a:fld>
             <a:endParaRPr lang="fr-FR"/>
           </a:p>
@@ -6850,6 +7016,288 @@
           </a:prstGeom>
         </p:spPr>
       </p:pic>
+      <p:sp>
+        <p:nvSpPr>
+          <p:cNvPr id="6" name="Espace réservé du contenu 2"/>
+          <p:cNvSpPr txBox="1">
+            <a:spLocks/>
+          </p:cNvSpPr>
+          <p:nvPr/>
+        </p:nvSpPr>
+        <p:spPr>
+          <a:xfrm>
+            <a:off x="276835" y="2237381"/>
+            <a:ext cx="2497139" cy="4018956"/>
+          </a:xfrm>
+          <a:prstGeom prst="rect">
+            <a:avLst/>
+          </a:prstGeom>
+        </p:spPr>
+        <p:txBody>
+          <a:bodyPr vert="horz" lIns="91440" tIns="45720" rIns="91440" bIns="45720" rtlCol="0">
+            <a:normAutofit/>
+          </a:bodyPr>
+          <a:lstStyle>
+            <a:lvl1pPr marL="228600" indent="-228600" algn="l" defTabSz="914400" rtl="0" eaLnBrk="1" latinLnBrk="0" hangingPunct="1">
+              <a:lnSpc>
+                <a:spcPct val="90000"/>
+              </a:lnSpc>
+              <a:spcBef>
+                <a:spcPts val="1000"/>
+              </a:spcBef>
+              <a:buFont typeface="Arial" panose="020B0604020202020204" pitchFamily="34" charset="0"/>
+              <a:buChar char="•"/>
+              <a:defRPr sz="2800" kern="1200">
+                <a:solidFill>
+                  <a:schemeClr val="tx1"/>
+                </a:solidFill>
+                <a:latin typeface="+mn-lt"/>
+                <a:ea typeface="+mn-ea"/>
+                <a:cs typeface="+mn-cs"/>
+              </a:defRPr>
+            </a:lvl1pPr>
+            <a:lvl2pPr marL="685800" indent="-228600" algn="l" defTabSz="914400" rtl="0" eaLnBrk="1" latinLnBrk="0" hangingPunct="1">
+              <a:lnSpc>
+                <a:spcPct val="90000"/>
+              </a:lnSpc>
+              <a:spcBef>
+                <a:spcPts val="500"/>
+              </a:spcBef>
+              <a:buFont typeface="Arial" panose="020B0604020202020204" pitchFamily="34" charset="0"/>
+              <a:buChar char="•"/>
+              <a:defRPr sz="2400" kern="1200">
+                <a:solidFill>
+                  <a:schemeClr val="tx1"/>
+                </a:solidFill>
+                <a:latin typeface="+mn-lt"/>
+                <a:ea typeface="+mn-ea"/>
+                <a:cs typeface="+mn-cs"/>
+              </a:defRPr>
+            </a:lvl2pPr>
+            <a:lvl3pPr marL="1143000" indent="-228600" algn="l" defTabSz="914400" rtl="0" eaLnBrk="1" latinLnBrk="0" hangingPunct="1">
+              <a:lnSpc>
+                <a:spcPct val="90000"/>
+              </a:lnSpc>
+              <a:spcBef>
+                <a:spcPts val="500"/>
+              </a:spcBef>
+              <a:buFont typeface="Arial" panose="020B0604020202020204" pitchFamily="34" charset="0"/>
+              <a:buChar char="•"/>
+              <a:defRPr sz="2000" kern="1200">
+                <a:solidFill>
+                  <a:schemeClr val="tx1"/>
+                </a:solidFill>
+                <a:latin typeface="+mn-lt"/>
+                <a:ea typeface="+mn-ea"/>
+                <a:cs typeface="+mn-cs"/>
+              </a:defRPr>
+            </a:lvl3pPr>
+            <a:lvl4pPr marL="1600200" indent="-228600" algn="l" defTabSz="914400" rtl="0" eaLnBrk="1" latinLnBrk="0" hangingPunct="1">
+              <a:lnSpc>
+                <a:spcPct val="90000"/>
+              </a:lnSpc>
+              <a:spcBef>
+                <a:spcPts val="500"/>
+              </a:spcBef>
+              <a:buFont typeface="Arial" panose="020B0604020202020204" pitchFamily="34" charset="0"/>
+              <a:buChar char="•"/>
+              <a:defRPr sz="1800" kern="1200">
+                <a:solidFill>
+                  <a:schemeClr val="tx1"/>
+                </a:solidFill>
+                <a:latin typeface="+mn-lt"/>
+                <a:ea typeface="+mn-ea"/>
+                <a:cs typeface="+mn-cs"/>
+              </a:defRPr>
+            </a:lvl4pPr>
+            <a:lvl5pPr marL="2057400" indent="-228600" algn="l" defTabSz="914400" rtl="0" eaLnBrk="1" latinLnBrk="0" hangingPunct="1">
+              <a:lnSpc>
+                <a:spcPct val="90000"/>
+              </a:lnSpc>
+              <a:spcBef>
+                <a:spcPts val="500"/>
+              </a:spcBef>
+              <a:buFont typeface="Arial" panose="020B0604020202020204" pitchFamily="34" charset="0"/>
+              <a:buChar char="•"/>
+              <a:defRPr sz="1800" kern="1200">
+                <a:solidFill>
+                  <a:schemeClr val="tx1"/>
+                </a:solidFill>
+                <a:latin typeface="+mn-lt"/>
+                <a:ea typeface="+mn-ea"/>
+                <a:cs typeface="+mn-cs"/>
+              </a:defRPr>
+            </a:lvl5pPr>
+            <a:lvl6pPr marL="2514600" indent="-228600" algn="l" defTabSz="914400" rtl="0" eaLnBrk="1" latinLnBrk="0" hangingPunct="1">
+              <a:lnSpc>
+                <a:spcPct val="90000"/>
+              </a:lnSpc>
+              <a:spcBef>
+                <a:spcPts val="500"/>
+              </a:spcBef>
+              <a:buFont typeface="Arial" panose="020B0604020202020204" pitchFamily="34" charset="0"/>
+              <a:buChar char="•"/>
+              <a:defRPr sz="1800" kern="1200">
+                <a:solidFill>
+                  <a:schemeClr val="tx1"/>
+                </a:solidFill>
+                <a:latin typeface="+mn-lt"/>
+                <a:ea typeface="+mn-ea"/>
+                <a:cs typeface="+mn-cs"/>
+              </a:defRPr>
+            </a:lvl6pPr>
+            <a:lvl7pPr marL="2971800" indent="-228600" algn="l" defTabSz="914400" rtl="0" eaLnBrk="1" latinLnBrk="0" hangingPunct="1">
+              <a:lnSpc>
+                <a:spcPct val="90000"/>
+              </a:lnSpc>
+              <a:spcBef>
+                <a:spcPts val="500"/>
+              </a:spcBef>
+              <a:buFont typeface="Arial" panose="020B0604020202020204" pitchFamily="34" charset="0"/>
+              <a:buChar char="•"/>
+              <a:defRPr sz="1800" kern="1200">
+                <a:solidFill>
+                  <a:schemeClr val="tx1"/>
+                </a:solidFill>
+                <a:latin typeface="+mn-lt"/>
+                <a:ea typeface="+mn-ea"/>
+                <a:cs typeface="+mn-cs"/>
+              </a:defRPr>
+            </a:lvl7pPr>
+            <a:lvl8pPr marL="3429000" indent="-228600" algn="l" defTabSz="914400" rtl="0" eaLnBrk="1" latinLnBrk="0" hangingPunct="1">
+              <a:lnSpc>
+                <a:spcPct val="90000"/>
+              </a:lnSpc>
+              <a:spcBef>
+                <a:spcPts val="500"/>
+              </a:spcBef>
+              <a:buFont typeface="Arial" panose="020B0604020202020204" pitchFamily="34" charset="0"/>
+              <a:buChar char="•"/>
+              <a:defRPr sz="1800" kern="1200">
+                <a:solidFill>
+                  <a:schemeClr val="tx1"/>
+                </a:solidFill>
+                <a:latin typeface="+mn-lt"/>
+                <a:ea typeface="+mn-ea"/>
+                <a:cs typeface="+mn-cs"/>
+              </a:defRPr>
+            </a:lvl8pPr>
+            <a:lvl9pPr marL="3886200" indent="-228600" algn="l" defTabSz="914400" rtl="0" eaLnBrk="1" latinLnBrk="0" hangingPunct="1">
+              <a:lnSpc>
+                <a:spcPct val="90000"/>
+              </a:lnSpc>
+              <a:spcBef>
+                <a:spcPts val="500"/>
+              </a:spcBef>
+              <a:buFont typeface="Arial" panose="020B0604020202020204" pitchFamily="34" charset="0"/>
+              <a:buChar char="•"/>
+              <a:defRPr sz="1800" kern="1200">
+                <a:solidFill>
+                  <a:schemeClr val="tx1"/>
+                </a:solidFill>
+                <a:latin typeface="+mn-lt"/>
+                <a:ea typeface="+mn-ea"/>
+                <a:cs typeface="+mn-cs"/>
+              </a:defRPr>
+            </a:lvl9pPr>
+          </a:lstStyle>
+          <a:p>
+            <a:pPr marL="514350" indent="-514350">
+              <a:buFont typeface="+mj-lt"/>
+              <a:buAutoNum type="arabicPeriod"/>
+            </a:pPr>
+            <a:r>
+              <a:rPr lang="fr-FR" sz="1200" dirty="0"/>
+              <a:t>La demande du client</a:t>
+            </a:r>
+          </a:p>
+          <a:p>
+            <a:pPr marL="514350" indent="-514350">
+              <a:buFont typeface="+mj-lt"/>
+              <a:buAutoNum type="arabicPeriod"/>
+            </a:pPr>
+            <a:endParaRPr lang="fr-FR" sz="1200" dirty="0"/>
+          </a:p>
+          <a:p>
+            <a:pPr marL="514350" indent="-514350">
+              <a:buFont typeface="+mj-lt"/>
+              <a:buAutoNum type="arabicPeriod"/>
+            </a:pPr>
+            <a:r>
+              <a:rPr lang="fr-FR" sz="1200" dirty="0"/>
+              <a:t>Notre organisation </a:t>
+            </a:r>
+          </a:p>
+          <a:p>
+            <a:pPr marL="514350" indent="-514350">
+              <a:buFont typeface="+mj-lt"/>
+              <a:buAutoNum type="arabicPeriod"/>
+            </a:pPr>
+            <a:endParaRPr lang="fr-FR" sz="1200" dirty="0"/>
+          </a:p>
+          <a:p>
+            <a:pPr marL="514350" indent="-514350">
+              <a:buFont typeface="+mj-lt"/>
+              <a:buAutoNum type="arabicPeriod"/>
+            </a:pPr>
+            <a:r>
+              <a:rPr lang="fr-FR" sz="1200" dirty="0"/>
+              <a:t>Notre analyse</a:t>
+            </a:r>
+          </a:p>
+          <a:p>
+            <a:pPr marL="514350" indent="-514350">
+              <a:buFont typeface="+mj-lt"/>
+              <a:buAutoNum type="arabicPeriod"/>
+            </a:pPr>
+            <a:endParaRPr lang="fr-FR" sz="1200" dirty="0"/>
+          </a:p>
+          <a:p>
+            <a:pPr marL="514350" indent="-514350">
+              <a:buFont typeface="+mj-lt"/>
+              <a:buAutoNum type="arabicPeriod"/>
+            </a:pPr>
+            <a:r>
+              <a:rPr lang="fr-FR" sz="1200" dirty="0"/>
+              <a:t>Le module</a:t>
+            </a:r>
+          </a:p>
+          <a:p>
+            <a:pPr marL="514350" indent="-514350">
+              <a:buFont typeface="+mj-lt"/>
+              <a:buAutoNum type="arabicPeriod"/>
+            </a:pPr>
+            <a:endParaRPr lang="fr-FR" sz="1200" dirty="0"/>
+          </a:p>
+          <a:p>
+            <a:pPr marL="514350" indent="-514350">
+              <a:buFont typeface="+mj-lt"/>
+              <a:buAutoNum type="arabicPeriod"/>
+            </a:pPr>
+            <a:r>
+              <a:rPr lang="fr-FR" sz="1200" dirty="0"/>
+              <a:t>Démonstration</a:t>
+            </a:r>
+          </a:p>
+          <a:p>
+            <a:pPr marL="514350" indent="-514350">
+              <a:buFont typeface="+mj-lt"/>
+              <a:buAutoNum type="arabicPeriod"/>
+            </a:pPr>
+            <a:endParaRPr lang="fr-FR" sz="1200" dirty="0"/>
+          </a:p>
+          <a:p>
+            <a:pPr marL="514350" indent="-514350">
+              <a:buFont typeface="+mj-lt"/>
+              <a:buAutoNum type="arabicPeriod"/>
+            </a:pPr>
+            <a:r>
+              <a:rPr lang="fr-FR" sz="1200" dirty="0"/>
+              <a:t>Conclusion</a:t>
+            </a:r>
+          </a:p>
+        </p:txBody>
+      </p:sp>
     </p:spTree>
     <p:extLst>
       <p:ext uri="{BB962C8B-B14F-4D97-AF65-F5344CB8AC3E}">
@@ -6860,10 +7308,158 @@
   <p:clrMapOvr>
     <a:masterClrMapping/>
   </p:clrMapOvr>
+  <p:timing>
+    <p:tnLst>
+      <p:par>
+        <p:cTn id="1" dur="indefinite" restart="never" nodeType="tmRoot">
+          <p:childTnLst>
+            <p:seq concurrent="1" nextAc="seek">
+              <p:cTn id="2" dur="indefinite" nodeType="mainSeq">
+                <p:childTnLst>
+                  <p:par>
+                    <p:cTn id="3" fill="hold">
+                      <p:stCondLst>
+                        <p:cond delay="indefinite"/>
+                        <p:cond evt="onBegin" delay="0">
+                          <p:tn val="2"/>
+                        </p:cond>
+                      </p:stCondLst>
+                      <p:childTnLst>
+                        <p:par>
+                          <p:cTn id="4" fill="hold">
+                            <p:stCondLst>
+                              <p:cond delay="0"/>
+                            </p:stCondLst>
+                            <p:childTnLst>
+                              <p:par>
+                                <p:cTn id="5" presetID="45" presetClass="entr" presetSubtype="0" fill="hold" nodeType="withEffect">
+                                  <p:stCondLst>
+                                    <p:cond delay="0"/>
+                                  </p:stCondLst>
+                                  <p:childTnLst>
+                                    <p:set>
+                                      <p:cBhvr>
+                                        <p:cTn id="6" dur="1" fill="hold">
+                                          <p:stCondLst>
+                                            <p:cond delay="0"/>
+                                          </p:stCondLst>
+                                        </p:cTn>
+                                        <p:tgtEl>
+                                          <p:spTgt spid="6">
+                                            <p:txEl>
+                                              <p:pRg st="6" end="6"/>
+                                            </p:txEl>
+                                          </p:spTgt>
+                                        </p:tgtEl>
+                                        <p:attrNameLst>
+                                          <p:attrName>style.visibility</p:attrName>
+                                        </p:attrNameLst>
+                                      </p:cBhvr>
+                                      <p:to>
+                                        <p:strVal val="visible"/>
+                                      </p:to>
+                                    </p:set>
+                                    <p:animEffect transition="in" filter="fade">
+                                      <p:cBhvr>
+                                        <p:cTn id="7" dur="2000"/>
+                                        <p:tgtEl>
+                                          <p:spTgt spid="6">
+                                            <p:txEl>
+                                              <p:pRg st="6" end="6"/>
+                                            </p:txEl>
+                                          </p:spTgt>
+                                        </p:tgtEl>
+                                      </p:cBhvr>
+                                    </p:animEffect>
+                                    <p:anim calcmode="lin" valueType="num">
+                                      <p:cBhvr>
+                                        <p:cTn id="8" dur="2000" fill="hold"/>
+                                        <p:tgtEl>
+                                          <p:spTgt spid="6">
+                                            <p:txEl>
+                                              <p:pRg st="6" end="6"/>
+                                            </p:txEl>
+                                          </p:spTgt>
+                                        </p:tgtEl>
+                                        <p:attrNameLst>
+                                          <p:attrName>ppt_w</p:attrName>
+                                        </p:attrNameLst>
+                                      </p:cBhvr>
+                                      <p:tavLst>
+                                        <p:tav tm="0" fmla="#ppt_w*sin(2.5*pi*$)">
+                                          <p:val>
+                                            <p:fltVal val="0"/>
+                                          </p:val>
+                                        </p:tav>
+                                        <p:tav tm="100000">
+                                          <p:val>
+                                            <p:fltVal val="1"/>
+                                          </p:val>
+                                        </p:tav>
+                                      </p:tavLst>
+                                    </p:anim>
+                                    <p:anim calcmode="lin" valueType="num">
+                                      <p:cBhvr>
+                                        <p:cTn id="9" dur="2000" fill="hold"/>
+                                        <p:tgtEl>
+                                          <p:spTgt spid="6">
+                                            <p:txEl>
+                                              <p:pRg st="6" end="6"/>
+                                            </p:txEl>
+                                          </p:spTgt>
+                                        </p:tgtEl>
+                                        <p:attrNameLst>
+                                          <p:attrName>ppt_h</p:attrName>
+                                        </p:attrNameLst>
+                                      </p:cBhvr>
+                                      <p:tavLst>
+                                        <p:tav tm="0">
+                                          <p:val>
+                                            <p:strVal val="#ppt_h"/>
+                                          </p:val>
+                                        </p:tav>
+                                        <p:tav tm="100000">
+                                          <p:val>
+                                            <p:strVal val="#ppt_h"/>
+                                          </p:val>
+                                        </p:tav>
+                                      </p:tavLst>
+                                    </p:anim>
+                                  </p:childTnLst>
+                                </p:cTn>
+                              </p:par>
+                            </p:childTnLst>
+                          </p:cTn>
+                        </p:par>
+                      </p:childTnLst>
+                    </p:cTn>
+                  </p:par>
+                </p:childTnLst>
+              </p:cTn>
+              <p:prevCondLst>
+                <p:cond evt="onPrev" delay="0">
+                  <p:tgtEl>
+                    <p:sldTgt/>
+                  </p:tgtEl>
+                </p:cond>
+              </p:prevCondLst>
+              <p:nextCondLst>
+                <p:cond evt="onNext" delay="0">
+                  <p:tgtEl>
+                    <p:sldTgt/>
+                  </p:tgtEl>
+                </p:cond>
+              </p:nextCondLst>
+            </p:seq>
+          </p:childTnLst>
+        </p:cTn>
+      </p:par>
+    </p:tnLst>
+  </p:timing>
 </p:sld>
 </file>
 
-<file path=ppt/slides/slide16.xml><?xml version="1.0" encoding="utf-8"?>
+<file path=ppt/slides/slide15.xml><?xml version="1.0" encoding="utf-8"?>
 <p:sld xmlns:a="http://schemas.openxmlformats.org/drawingml/2006/main" xmlns:r="http://schemas.openxmlformats.org/officeDocument/2006/relationships" xmlns:p="http://schemas.openxmlformats.org/presentationml/2006/main">
   <p:cSld>
     <p:spTree>
@@ -6951,7 +7547,7 @@
           <a:p>
             <a:fld id="{9EBE3992-4176-434F-B04B-911E8BC7B692}" type="slidenum">
               <a:rPr lang="fr-FR" smtClean="0"/>
-              <a:t>16</a:t>
+              <a:t>15</a:t>
             </a:fld>
             <a:endParaRPr lang="fr-FR"/>
           </a:p>
@@ -7218,23 +7814,6 @@
             <a:r>
               <a:rPr lang="fr-FR" sz="1200" dirty="0"/>
               <a:t>Démonstration</a:t>
-            </a:r>
-          </a:p>
-          <a:p>
-            <a:pPr marL="514350" indent="-514350">
-              <a:buFont typeface="+mj-lt"/>
-              <a:buAutoNum type="arabicPeriod"/>
-            </a:pPr>
-            <a:endParaRPr lang="fr-FR" sz="1200" dirty="0"/>
-          </a:p>
-          <a:p>
-            <a:pPr marL="514350" indent="-514350">
-              <a:buFont typeface="+mj-lt"/>
-              <a:buAutoNum type="arabicPeriod"/>
-            </a:pPr>
-            <a:r>
-              <a:rPr lang="fr-FR" sz="1200" dirty="0"/>
-              <a:t>Bilan</a:t>
             </a:r>
           </a:p>
           <a:p>
@@ -7449,7 +8028,7 @@
 </p:sld>
 </file>
 
-<file path=ppt/slides/slide17.xml><?xml version="1.0" encoding="utf-8"?>
+<file path=ppt/slides/slide16.xml><?xml version="1.0" encoding="utf-8"?>
 <p:sld xmlns:a="http://schemas.openxmlformats.org/drawingml/2006/main" xmlns:r="http://schemas.openxmlformats.org/officeDocument/2006/relationships" xmlns:p="http://schemas.openxmlformats.org/presentationml/2006/main">
   <p:cSld>
     <p:spTree>
@@ -7483,7 +8062,7 @@
           <a:p>
             <a:r>
               <a:rPr lang="fr-FR" sz="3600" dirty="0"/>
-              <a:t>7: Bilan</a:t>
+              <a:t>8: Conclusion</a:t>
             </a:r>
           </a:p>
         </p:txBody>
@@ -7500,18 +8079,15 @@
         </p:nvSpPr>
         <p:spPr>
           <a:xfrm>
-            <a:off x="4739088" y="3004676"/>
-            <a:ext cx="6097959" cy="1610054"/>
+            <a:off x="3952875" y="2056092"/>
+            <a:ext cx="6097959" cy="4200245"/>
           </a:xfrm>
         </p:spPr>
         <p:txBody>
           <a:bodyPr>
-            <a:noAutofit/>
+            <a:normAutofit/>
           </a:bodyPr>
           <a:lstStyle/>
-          <a:p>
-            <a:endParaRPr lang="fr-FR" dirty="0"/>
-          </a:p>
           <a:p>
             <a:pPr marL="0" indent="0">
               <a:buNone/>
@@ -7537,7 +8113,7 @@
           <a:p>
             <a:fld id="{9EBE3992-4176-434F-B04B-911E8BC7B692}" type="slidenum">
               <a:rPr lang="fr-FR" smtClean="0"/>
-              <a:t>17</a:t>
+              <a:t>16</a:t>
             </a:fld>
             <a:endParaRPr lang="fr-FR"/>
           </a:p>
@@ -7820,23 +8396,6 @@
             </a:pPr>
             <a:r>
               <a:rPr lang="fr-FR" sz="1200" dirty="0"/>
-              <a:t>Bilan</a:t>
-            </a:r>
-          </a:p>
-          <a:p>
-            <a:pPr marL="514350" indent="-514350">
-              <a:buFont typeface="+mj-lt"/>
-              <a:buAutoNum type="arabicPeriod"/>
-            </a:pPr>
-            <a:endParaRPr lang="fr-FR" sz="1200" dirty="0"/>
-          </a:p>
-          <a:p>
-            <a:pPr marL="514350" indent="-514350">
-              <a:buFont typeface="+mj-lt"/>
-              <a:buAutoNum type="arabicPeriod"/>
-            </a:pPr>
-            <a:r>
-              <a:rPr lang="fr-FR" sz="1200" dirty="0"/>
               <a:t>Conclusion</a:t>
             </a:r>
           </a:p>
@@ -7845,7 +8404,7 @@
     </p:spTree>
     <p:extLst>
       <p:ext uri="{BB962C8B-B14F-4D97-AF65-F5344CB8AC3E}">
-        <p14:creationId xmlns:p14="http://schemas.microsoft.com/office/powerpoint/2010/main" val="1392019959"/>
+        <p14:creationId xmlns:p14="http://schemas.microsoft.com/office/powerpoint/2010/main" val="376914104"/>
       </p:ext>
     </p:extLst>
   </p:cSld>
@@ -8003,557 +8562,6 @@
 </p:sld>
 </file>
 
-<file path=ppt/slides/slide18.xml><?xml version="1.0" encoding="utf-8"?>
-<p:sld xmlns:a="http://schemas.openxmlformats.org/drawingml/2006/main" xmlns:r="http://schemas.openxmlformats.org/officeDocument/2006/relationships" xmlns:p="http://schemas.openxmlformats.org/presentationml/2006/main">
-  <p:cSld>
-    <p:spTree>
-      <p:nvGrpSpPr>
-        <p:cNvPr id="1" name=""/>
-        <p:cNvGrpSpPr/>
-        <p:nvPr/>
-      </p:nvGrpSpPr>
-      <p:grpSpPr>
-        <a:xfrm>
-          <a:off x="0" y="0"/>
-          <a:ext cx="0" cy="0"/>
-          <a:chOff x="0" y="0"/>
-          <a:chExt cx="0" cy="0"/>
-        </a:xfrm>
-      </p:grpSpPr>
-      <p:sp>
-        <p:nvSpPr>
-          <p:cNvPr id="5" name="Titre 4"/>
-          <p:cNvSpPr>
-            <a:spLocks noGrp="1"/>
-          </p:cNvSpPr>
-          <p:nvPr>
-            <p:ph type="title"/>
-          </p:nvPr>
-        </p:nvSpPr>
-        <p:spPr/>
-        <p:txBody>
-          <a:bodyPr/>
-          <a:lstStyle/>
-          <a:p>
-            <a:r>
-              <a:rPr lang="fr-FR" sz="3600" dirty="0"/>
-              <a:t>8: Conclusion</a:t>
-            </a:r>
-          </a:p>
-        </p:txBody>
-      </p:sp>
-      <p:sp>
-        <p:nvSpPr>
-          <p:cNvPr id="6" name="Espace réservé du contenu 5"/>
-          <p:cNvSpPr>
-            <a:spLocks noGrp="1"/>
-          </p:cNvSpPr>
-          <p:nvPr>
-            <p:ph sz="half" idx="1"/>
-          </p:nvPr>
-        </p:nvSpPr>
-        <p:spPr>
-          <a:xfrm>
-            <a:off x="3952875" y="2056092"/>
-            <a:ext cx="6097959" cy="4200245"/>
-          </a:xfrm>
-        </p:spPr>
-        <p:txBody>
-          <a:bodyPr>
-            <a:normAutofit/>
-          </a:bodyPr>
-          <a:lstStyle/>
-          <a:p>
-            <a:pPr marL="0" indent="0">
-              <a:buNone/>
-            </a:pPr>
-            <a:endParaRPr lang="fr-FR" dirty="0"/>
-          </a:p>
-        </p:txBody>
-      </p:sp>
-      <p:sp>
-        <p:nvSpPr>
-          <p:cNvPr id="4" name="Espace réservé du numéro de diapositive 3"/>
-          <p:cNvSpPr>
-            <a:spLocks noGrp="1"/>
-          </p:cNvSpPr>
-          <p:nvPr>
-            <p:ph type="sldNum" sz="quarter" idx="12"/>
-          </p:nvPr>
-        </p:nvSpPr>
-        <p:spPr/>
-        <p:txBody>
-          <a:bodyPr/>
-          <a:lstStyle/>
-          <a:p>
-            <a:fld id="{9EBE3992-4176-434F-B04B-911E8BC7B692}" type="slidenum">
-              <a:rPr lang="fr-FR" smtClean="0"/>
-              <a:t>18</a:t>
-            </a:fld>
-            <a:endParaRPr lang="fr-FR"/>
-          </a:p>
-        </p:txBody>
-      </p:sp>
-      <p:sp>
-        <p:nvSpPr>
-          <p:cNvPr id="7" name="Espace réservé du contenu 2"/>
-          <p:cNvSpPr txBox="1">
-            <a:spLocks/>
-          </p:cNvSpPr>
-          <p:nvPr/>
-        </p:nvSpPr>
-        <p:spPr>
-          <a:xfrm>
-            <a:off x="276835" y="2237381"/>
-            <a:ext cx="2497139" cy="4018956"/>
-          </a:xfrm>
-          <a:prstGeom prst="rect">
-            <a:avLst/>
-          </a:prstGeom>
-        </p:spPr>
-        <p:txBody>
-          <a:bodyPr vert="horz" lIns="91440" tIns="45720" rIns="91440" bIns="45720" rtlCol="0">
-            <a:normAutofit/>
-          </a:bodyPr>
-          <a:lstStyle>
-            <a:lvl1pPr marL="228600" indent="-228600" algn="l" defTabSz="914400" rtl="0" eaLnBrk="1" latinLnBrk="0" hangingPunct="1">
-              <a:lnSpc>
-                <a:spcPct val="90000"/>
-              </a:lnSpc>
-              <a:spcBef>
-                <a:spcPts val="1000"/>
-              </a:spcBef>
-              <a:buFont typeface="Arial" panose="020B0604020202020204" pitchFamily="34" charset="0"/>
-              <a:buChar char="•"/>
-              <a:defRPr sz="2800" kern="1200">
-                <a:solidFill>
-                  <a:schemeClr val="tx1"/>
-                </a:solidFill>
-                <a:latin typeface="+mn-lt"/>
-                <a:ea typeface="+mn-ea"/>
-                <a:cs typeface="+mn-cs"/>
-              </a:defRPr>
-            </a:lvl1pPr>
-            <a:lvl2pPr marL="685800" indent="-228600" algn="l" defTabSz="914400" rtl="0" eaLnBrk="1" latinLnBrk="0" hangingPunct="1">
-              <a:lnSpc>
-                <a:spcPct val="90000"/>
-              </a:lnSpc>
-              <a:spcBef>
-                <a:spcPts val="500"/>
-              </a:spcBef>
-              <a:buFont typeface="Arial" panose="020B0604020202020204" pitchFamily="34" charset="0"/>
-              <a:buChar char="•"/>
-              <a:defRPr sz="2400" kern="1200">
-                <a:solidFill>
-                  <a:schemeClr val="tx1"/>
-                </a:solidFill>
-                <a:latin typeface="+mn-lt"/>
-                <a:ea typeface="+mn-ea"/>
-                <a:cs typeface="+mn-cs"/>
-              </a:defRPr>
-            </a:lvl2pPr>
-            <a:lvl3pPr marL="1143000" indent="-228600" algn="l" defTabSz="914400" rtl="0" eaLnBrk="1" latinLnBrk="0" hangingPunct="1">
-              <a:lnSpc>
-                <a:spcPct val="90000"/>
-              </a:lnSpc>
-              <a:spcBef>
-                <a:spcPts val="500"/>
-              </a:spcBef>
-              <a:buFont typeface="Arial" panose="020B0604020202020204" pitchFamily="34" charset="0"/>
-              <a:buChar char="•"/>
-              <a:defRPr sz="2000" kern="1200">
-                <a:solidFill>
-                  <a:schemeClr val="tx1"/>
-                </a:solidFill>
-                <a:latin typeface="+mn-lt"/>
-                <a:ea typeface="+mn-ea"/>
-                <a:cs typeface="+mn-cs"/>
-              </a:defRPr>
-            </a:lvl3pPr>
-            <a:lvl4pPr marL="1600200" indent="-228600" algn="l" defTabSz="914400" rtl="0" eaLnBrk="1" latinLnBrk="0" hangingPunct="1">
-              <a:lnSpc>
-                <a:spcPct val="90000"/>
-              </a:lnSpc>
-              <a:spcBef>
-                <a:spcPts val="500"/>
-              </a:spcBef>
-              <a:buFont typeface="Arial" panose="020B0604020202020204" pitchFamily="34" charset="0"/>
-              <a:buChar char="•"/>
-              <a:defRPr sz="1800" kern="1200">
-                <a:solidFill>
-                  <a:schemeClr val="tx1"/>
-                </a:solidFill>
-                <a:latin typeface="+mn-lt"/>
-                <a:ea typeface="+mn-ea"/>
-                <a:cs typeface="+mn-cs"/>
-              </a:defRPr>
-            </a:lvl4pPr>
-            <a:lvl5pPr marL="2057400" indent="-228600" algn="l" defTabSz="914400" rtl="0" eaLnBrk="1" latinLnBrk="0" hangingPunct="1">
-              <a:lnSpc>
-                <a:spcPct val="90000"/>
-              </a:lnSpc>
-              <a:spcBef>
-                <a:spcPts val="500"/>
-              </a:spcBef>
-              <a:buFont typeface="Arial" panose="020B0604020202020204" pitchFamily="34" charset="0"/>
-              <a:buChar char="•"/>
-              <a:defRPr sz="1800" kern="1200">
-                <a:solidFill>
-                  <a:schemeClr val="tx1"/>
-                </a:solidFill>
-                <a:latin typeface="+mn-lt"/>
-                <a:ea typeface="+mn-ea"/>
-                <a:cs typeface="+mn-cs"/>
-              </a:defRPr>
-            </a:lvl5pPr>
-            <a:lvl6pPr marL="2514600" indent="-228600" algn="l" defTabSz="914400" rtl="0" eaLnBrk="1" latinLnBrk="0" hangingPunct="1">
-              <a:lnSpc>
-                <a:spcPct val="90000"/>
-              </a:lnSpc>
-              <a:spcBef>
-                <a:spcPts val="500"/>
-              </a:spcBef>
-              <a:buFont typeface="Arial" panose="020B0604020202020204" pitchFamily="34" charset="0"/>
-              <a:buChar char="•"/>
-              <a:defRPr sz="1800" kern="1200">
-                <a:solidFill>
-                  <a:schemeClr val="tx1"/>
-                </a:solidFill>
-                <a:latin typeface="+mn-lt"/>
-                <a:ea typeface="+mn-ea"/>
-                <a:cs typeface="+mn-cs"/>
-              </a:defRPr>
-            </a:lvl6pPr>
-            <a:lvl7pPr marL="2971800" indent="-228600" algn="l" defTabSz="914400" rtl="0" eaLnBrk="1" latinLnBrk="0" hangingPunct="1">
-              <a:lnSpc>
-                <a:spcPct val="90000"/>
-              </a:lnSpc>
-              <a:spcBef>
-                <a:spcPts val="500"/>
-              </a:spcBef>
-              <a:buFont typeface="Arial" panose="020B0604020202020204" pitchFamily="34" charset="0"/>
-              <a:buChar char="•"/>
-              <a:defRPr sz="1800" kern="1200">
-                <a:solidFill>
-                  <a:schemeClr val="tx1"/>
-                </a:solidFill>
-                <a:latin typeface="+mn-lt"/>
-                <a:ea typeface="+mn-ea"/>
-                <a:cs typeface="+mn-cs"/>
-              </a:defRPr>
-            </a:lvl7pPr>
-            <a:lvl8pPr marL="3429000" indent="-228600" algn="l" defTabSz="914400" rtl="0" eaLnBrk="1" latinLnBrk="0" hangingPunct="1">
-              <a:lnSpc>
-                <a:spcPct val="90000"/>
-              </a:lnSpc>
-              <a:spcBef>
-                <a:spcPts val="500"/>
-              </a:spcBef>
-              <a:buFont typeface="Arial" panose="020B0604020202020204" pitchFamily="34" charset="0"/>
-              <a:buChar char="•"/>
-              <a:defRPr sz="1800" kern="1200">
-                <a:solidFill>
-                  <a:schemeClr val="tx1"/>
-                </a:solidFill>
-                <a:latin typeface="+mn-lt"/>
-                <a:ea typeface="+mn-ea"/>
-                <a:cs typeface="+mn-cs"/>
-              </a:defRPr>
-            </a:lvl8pPr>
-            <a:lvl9pPr marL="3886200" indent="-228600" algn="l" defTabSz="914400" rtl="0" eaLnBrk="1" latinLnBrk="0" hangingPunct="1">
-              <a:lnSpc>
-                <a:spcPct val="90000"/>
-              </a:lnSpc>
-              <a:spcBef>
-                <a:spcPts val="500"/>
-              </a:spcBef>
-              <a:buFont typeface="Arial" panose="020B0604020202020204" pitchFamily="34" charset="0"/>
-              <a:buChar char="•"/>
-              <a:defRPr sz="1800" kern="1200">
-                <a:solidFill>
-                  <a:schemeClr val="tx1"/>
-                </a:solidFill>
-                <a:latin typeface="+mn-lt"/>
-                <a:ea typeface="+mn-ea"/>
-                <a:cs typeface="+mn-cs"/>
-              </a:defRPr>
-            </a:lvl9pPr>
-          </a:lstStyle>
-          <a:p>
-            <a:pPr marL="514350" indent="-514350">
-              <a:buFont typeface="+mj-lt"/>
-              <a:buAutoNum type="arabicPeriod"/>
-            </a:pPr>
-            <a:r>
-              <a:rPr lang="fr-FR" sz="1200" dirty="0"/>
-              <a:t>La demande du client</a:t>
-            </a:r>
-          </a:p>
-          <a:p>
-            <a:pPr marL="514350" indent="-514350">
-              <a:buFont typeface="+mj-lt"/>
-              <a:buAutoNum type="arabicPeriod"/>
-            </a:pPr>
-            <a:endParaRPr lang="fr-FR" sz="1200" dirty="0"/>
-          </a:p>
-          <a:p>
-            <a:pPr marL="514350" indent="-514350">
-              <a:buFont typeface="+mj-lt"/>
-              <a:buAutoNum type="arabicPeriod"/>
-            </a:pPr>
-            <a:r>
-              <a:rPr lang="fr-FR" sz="1200" dirty="0"/>
-              <a:t>Notre organisation </a:t>
-            </a:r>
-          </a:p>
-          <a:p>
-            <a:pPr marL="514350" indent="-514350">
-              <a:buFont typeface="+mj-lt"/>
-              <a:buAutoNum type="arabicPeriod"/>
-            </a:pPr>
-            <a:endParaRPr lang="fr-FR" sz="1200" dirty="0"/>
-          </a:p>
-          <a:p>
-            <a:pPr marL="514350" indent="-514350">
-              <a:buFont typeface="+mj-lt"/>
-              <a:buAutoNum type="arabicPeriod"/>
-            </a:pPr>
-            <a:r>
-              <a:rPr lang="fr-FR" sz="1200" dirty="0"/>
-              <a:t>Notre analyse</a:t>
-            </a:r>
-          </a:p>
-          <a:p>
-            <a:pPr marL="514350" indent="-514350">
-              <a:buFont typeface="+mj-lt"/>
-              <a:buAutoNum type="arabicPeriod"/>
-            </a:pPr>
-            <a:endParaRPr lang="fr-FR" sz="1200" dirty="0"/>
-          </a:p>
-          <a:p>
-            <a:pPr marL="514350" indent="-514350">
-              <a:buFont typeface="+mj-lt"/>
-              <a:buAutoNum type="arabicPeriod"/>
-            </a:pPr>
-            <a:r>
-              <a:rPr lang="fr-FR" sz="1200" dirty="0"/>
-              <a:t>Le module</a:t>
-            </a:r>
-          </a:p>
-          <a:p>
-            <a:pPr marL="514350" indent="-514350">
-              <a:buFont typeface="+mj-lt"/>
-              <a:buAutoNum type="arabicPeriod"/>
-            </a:pPr>
-            <a:endParaRPr lang="fr-FR" sz="1200" dirty="0"/>
-          </a:p>
-          <a:p>
-            <a:pPr marL="514350" indent="-514350">
-              <a:buFont typeface="+mj-lt"/>
-              <a:buAutoNum type="arabicPeriod"/>
-            </a:pPr>
-            <a:r>
-              <a:rPr lang="fr-FR" sz="1200" dirty="0"/>
-              <a:t>Démonstration</a:t>
-            </a:r>
-          </a:p>
-          <a:p>
-            <a:pPr marL="514350" indent="-514350">
-              <a:buFont typeface="+mj-lt"/>
-              <a:buAutoNum type="arabicPeriod"/>
-            </a:pPr>
-            <a:endParaRPr lang="fr-FR" sz="1200" dirty="0"/>
-          </a:p>
-          <a:p>
-            <a:pPr marL="514350" indent="-514350">
-              <a:buFont typeface="+mj-lt"/>
-              <a:buAutoNum type="arabicPeriod"/>
-            </a:pPr>
-            <a:r>
-              <a:rPr lang="fr-FR" sz="1200" dirty="0"/>
-              <a:t>Bilan</a:t>
-            </a:r>
-          </a:p>
-          <a:p>
-            <a:pPr marL="514350" indent="-514350">
-              <a:buFont typeface="+mj-lt"/>
-              <a:buAutoNum type="arabicPeriod"/>
-            </a:pPr>
-            <a:endParaRPr lang="fr-FR" sz="1200" dirty="0"/>
-          </a:p>
-          <a:p>
-            <a:pPr marL="514350" indent="-514350">
-              <a:buFont typeface="+mj-lt"/>
-              <a:buAutoNum type="arabicPeriod"/>
-            </a:pPr>
-            <a:r>
-              <a:rPr lang="fr-FR" sz="1200" dirty="0"/>
-              <a:t>Conclusion</a:t>
-            </a:r>
-          </a:p>
-        </p:txBody>
-      </p:sp>
-    </p:spTree>
-    <p:extLst>
-      <p:ext uri="{BB962C8B-B14F-4D97-AF65-F5344CB8AC3E}">
-        <p14:creationId xmlns:p14="http://schemas.microsoft.com/office/powerpoint/2010/main" val="376914104"/>
-      </p:ext>
-    </p:extLst>
-  </p:cSld>
-  <p:clrMapOvr>
-    <a:masterClrMapping/>
-  </p:clrMapOvr>
-  <p:timing>
-    <p:tnLst>
-      <p:par>
-        <p:cTn id="1" dur="indefinite" restart="never" nodeType="tmRoot">
-          <p:childTnLst>
-            <p:seq concurrent="1" nextAc="seek">
-              <p:cTn id="2" dur="indefinite" nodeType="mainSeq">
-                <p:childTnLst>
-                  <p:par>
-                    <p:cTn id="3" fill="hold">
-                      <p:stCondLst>
-                        <p:cond delay="indefinite"/>
-                        <p:cond evt="onBegin" delay="0">
-                          <p:tn val="2"/>
-                        </p:cond>
-                      </p:stCondLst>
-                      <p:childTnLst>
-                        <p:par>
-                          <p:cTn id="4" fill="hold">
-                            <p:stCondLst>
-                              <p:cond delay="0"/>
-                            </p:stCondLst>
-                            <p:childTnLst>
-                              <p:par>
-                                <p:cTn id="5" presetID="45" presetClass="entr" presetSubtype="0" fill="hold" nodeType="withEffect">
-                                  <p:stCondLst>
-                                    <p:cond delay="0"/>
-                                  </p:stCondLst>
-                                  <p:childTnLst>
-                                    <p:set>
-                                      <p:cBhvr>
-                                        <p:cTn id="6" dur="1" fill="hold">
-                                          <p:stCondLst>
-                                            <p:cond delay="0"/>
-                                          </p:stCondLst>
-                                        </p:cTn>
-                                        <p:tgtEl>
-                                          <p:spTgt spid="7">
-                                            <p:txEl>
-                                              <p:pRg st="12" end="12"/>
-                                            </p:txEl>
-                                          </p:spTgt>
-                                        </p:tgtEl>
-                                        <p:attrNameLst>
-                                          <p:attrName>style.visibility</p:attrName>
-                                        </p:attrNameLst>
-                                      </p:cBhvr>
-                                      <p:to>
-                                        <p:strVal val="visible"/>
-                                      </p:to>
-                                    </p:set>
-                                    <p:animEffect transition="in" filter="fade">
-                                      <p:cBhvr>
-                                        <p:cTn id="7" dur="2000"/>
-                                        <p:tgtEl>
-                                          <p:spTgt spid="7">
-                                            <p:txEl>
-                                              <p:pRg st="12" end="12"/>
-                                            </p:txEl>
-                                          </p:spTgt>
-                                        </p:tgtEl>
-                                      </p:cBhvr>
-                                    </p:animEffect>
-                                    <p:anim calcmode="lin" valueType="num">
-                                      <p:cBhvr>
-                                        <p:cTn id="8" dur="2000" fill="hold"/>
-                                        <p:tgtEl>
-                                          <p:spTgt spid="7">
-                                            <p:txEl>
-                                              <p:pRg st="12" end="12"/>
-                                            </p:txEl>
-                                          </p:spTgt>
-                                        </p:tgtEl>
-                                        <p:attrNameLst>
-                                          <p:attrName>ppt_w</p:attrName>
-                                        </p:attrNameLst>
-                                      </p:cBhvr>
-                                      <p:tavLst>
-                                        <p:tav tm="0" fmla="#ppt_w*sin(2.5*pi*$)">
-                                          <p:val>
-                                            <p:fltVal val="0"/>
-                                          </p:val>
-                                        </p:tav>
-                                        <p:tav tm="100000">
-                                          <p:val>
-                                            <p:fltVal val="1"/>
-                                          </p:val>
-                                        </p:tav>
-                                      </p:tavLst>
-                                    </p:anim>
-                                    <p:anim calcmode="lin" valueType="num">
-                                      <p:cBhvr>
-                                        <p:cTn id="9" dur="2000" fill="hold"/>
-                                        <p:tgtEl>
-                                          <p:spTgt spid="7">
-                                            <p:txEl>
-                                              <p:pRg st="12" end="12"/>
-                                            </p:txEl>
-                                          </p:spTgt>
-                                        </p:tgtEl>
-                                        <p:attrNameLst>
-                                          <p:attrName>ppt_h</p:attrName>
-                                        </p:attrNameLst>
-                                      </p:cBhvr>
-                                      <p:tavLst>
-                                        <p:tav tm="0">
-                                          <p:val>
-                                            <p:strVal val="#ppt_h"/>
-                                          </p:val>
-                                        </p:tav>
-                                        <p:tav tm="100000">
-                                          <p:val>
-                                            <p:strVal val="#ppt_h"/>
-                                          </p:val>
-                                        </p:tav>
-                                      </p:tavLst>
-                                    </p:anim>
-                                  </p:childTnLst>
-                                </p:cTn>
-                              </p:par>
-                            </p:childTnLst>
-                          </p:cTn>
-                        </p:par>
-                      </p:childTnLst>
-                    </p:cTn>
-                  </p:par>
-                </p:childTnLst>
-              </p:cTn>
-              <p:prevCondLst>
-                <p:cond evt="onPrev" delay="0">
-                  <p:tgtEl>
-                    <p:sldTgt/>
-                  </p:tgtEl>
-                </p:cond>
-              </p:prevCondLst>
-              <p:nextCondLst>
-                <p:cond evt="onNext" delay="0">
-                  <p:tgtEl>
-                    <p:sldTgt/>
-                  </p:tgtEl>
-                </p:cond>
-              </p:nextCondLst>
-            </p:seq>
-          </p:childTnLst>
-        </p:cTn>
-      </p:par>
-    </p:tnLst>
-  </p:timing>
-</p:sld>
-</file>
-
 <file path=ppt/slides/slide2.xml><?xml version="1.0" encoding="utf-8"?>
 <p:sld xmlns:a="http://schemas.openxmlformats.org/drawingml/2006/main" xmlns:r="http://schemas.openxmlformats.org/officeDocument/2006/relationships" xmlns:p="http://schemas.openxmlformats.org/presentationml/2006/main">
   <p:cSld>
@@ -8610,13 +8618,13 @@
         </p:nvSpPr>
         <p:spPr>
           <a:xfrm>
-            <a:off x="1103312" y="1449859"/>
-            <a:ext cx="8946541" cy="4926227"/>
+            <a:off x="1103313" y="1858297"/>
+            <a:ext cx="8335656" cy="4517789"/>
           </a:xfrm>
         </p:spPr>
         <p:txBody>
           <a:bodyPr>
-            <a:normAutofit fontScale="92500" lnSpcReduction="20000"/>
+            <a:normAutofit fontScale="92500" lnSpcReduction="10000"/>
           </a:bodyPr>
           <a:lstStyle/>
           <a:p>
@@ -8695,23 +8703,6 @@
             <a:r>
               <a:rPr lang="fr-FR" dirty="0"/>
               <a:t>Démonstration</a:t>
-            </a:r>
-          </a:p>
-          <a:p>
-            <a:pPr marL="514350" indent="-514350">
-              <a:buFont typeface="+mj-lt"/>
-              <a:buAutoNum type="arabicPeriod"/>
-            </a:pPr>
-            <a:endParaRPr lang="fr-FR" dirty="0"/>
-          </a:p>
-          <a:p>
-            <a:pPr marL="514350" indent="-514350">
-              <a:buFont typeface="+mj-lt"/>
-              <a:buAutoNum type="arabicPeriod"/>
-            </a:pPr>
-            <a:r>
-              <a:rPr lang="fr-FR" dirty="0"/>
-              <a:t>Bilan</a:t>
             </a:r>
           </a:p>
           <a:p>
@@ -9222,23 +9213,6 @@
             <a:r>
               <a:rPr lang="fr-FR" sz="1200" dirty="0"/>
               <a:t>Démonstration</a:t>
-            </a:r>
-          </a:p>
-          <a:p>
-            <a:pPr marL="514350" indent="-514350">
-              <a:buFont typeface="+mj-lt"/>
-              <a:buAutoNum type="arabicPeriod"/>
-            </a:pPr>
-            <a:endParaRPr lang="fr-FR" sz="1200" dirty="0"/>
-          </a:p>
-          <a:p>
-            <a:pPr marL="514350" indent="-514350">
-              <a:buFont typeface="+mj-lt"/>
-              <a:buAutoNum type="arabicPeriod"/>
-            </a:pPr>
-            <a:r>
-              <a:rPr lang="fr-FR" sz="1200" dirty="0"/>
-              <a:t>Bilan</a:t>
             </a:r>
           </a:p>
           <a:p>
@@ -9846,23 +9820,6 @@
             </a:pPr>
             <a:r>
               <a:rPr lang="fr-FR" sz="1200" dirty="0"/>
-              <a:t>Bilan</a:t>
-            </a:r>
-          </a:p>
-          <a:p>
-            <a:pPr marL="514350" indent="-514350">
-              <a:buFont typeface="+mj-lt"/>
-              <a:buAutoNum type="arabicPeriod"/>
-            </a:pPr>
-            <a:endParaRPr lang="fr-FR" sz="1200" dirty="0"/>
-          </a:p>
-          <a:p>
-            <a:pPr marL="514350" indent="-514350">
-              <a:buFont typeface="+mj-lt"/>
-              <a:buAutoNum type="arabicPeriod"/>
-            </a:pPr>
-            <a:r>
-              <a:rPr lang="fr-FR" sz="1200" dirty="0"/>
               <a:t>Conclusion</a:t>
             </a:r>
           </a:p>
@@ -10402,23 +10359,6 @@
             <a:r>
               <a:rPr lang="fr-FR" sz="1200" dirty="0"/>
               <a:t>Démonstration</a:t>
-            </a:r>
-          </a:p>
-          <a:p>
-            <a:pPr marL="514350" indent="-514350">
-              <a:buFont typeface="+mj-lt"/>
-              <a:buAutoNum type="arabicPeriod"/>
-            </a:pPr>
-            <a:endParaRPr lang="fr-FR" sz="1200" dirty="0"/>
-          </a:p>
-          <a:p>
-            <a:pPr marL="514350" indent="-514350">
-              <a:buFont typeface="+mj-lt"/>
-              <a:buAutoNum type="arabicPeriod"/>
-            </a:pPr>
-            <a:r>
-              <a:rPr lang="fr-FR" sz="1200" dirty="0"/>
-              <a:t>Bilan</a:t>
             </a:r>
           </a:p>
           <a:p>
@@ -11039,23 +10979,6 @@
             </a:pPr>
             <a:r>
               <a:rPr lang="fr-FR" sz="1200" dirty="0"/>
-              <a:t>Bilan</a:t>
-            </a:r>
-          </a:p>
-          <a:p>
-            <a:pPr marL="514350" indent="-514350">
-              <a:buFont typeface="+mj-lt"/>
-              <a:buAutoNum type="arabicPeriod"/>
-            </a:pPr>
-            <a:endParaRPr lang="fr-FR" sz="1200" dirty="0"/>
-          </a:p>
-          <a:p>
-            <a:pPr marL="514350" indent="-514350">
-              <a:buFont typeface="+mj-lt"/>
-              <a:buAutoNum type="arabicPeriod"/>
-            </a:pPr>
-            <a:r>
-              <a:rPr lang="fr-FR" sz="1200" dirty="0"/>
               <a:t>Conclusion</a:t>
             </a:r>
           </a:p>
@@ -11593,23 +11516,6 @@
             </a:pPr>
             <a:r>
               <a:rPr lang="fr-FR" sz="1200" dirty="0"/>
-              <a:t>Bilan</a:t>
-            </a:r>
-          </a:p>
-          <a:p>
-            <a:pPr marL="514350" indent="-514350">
-              <a:buFont typeface="+mj-lt"/>
-              <a:buAutoNum type="arabicPeriod"/>
-            </a:pPr>
-            <a:endParaRPr lang="fr-FR" sz="1200" dirty="0"/>
-          </a:p>
-          <a:p>
-            <a:pPr marL="514350" indent="-514350">
-              <a:buFont typeface="+mj-lt"/>
-              <a:buAutoNum type="arabicPeriod"/>
-            </a:pPr>
-            <a:r>
-              <a:rPr lang="fr-FR" sz="1200" dirty="0"/>
               <a:t>Conclusion</a:t>
             </a:r>
           </a:p>
@@ -12251,23 +12157,6 @@
             </a:pPr>
             <a:r>
               <a:rPr lang="fr-FR" sz="1200" dirty="0"/>
-              <a:t>Bilan</a:t>
-            </a:r>
-          </a:p>
-          <a:p>
-            <a:pPr marL="514350" indent="-514350">
-              <a:buFont typeface="+mj-lt"/>
-              <a:buAutoNum type="arabicPeriod"/>
-            </a:pPr>
-            <a:endParaRPr lang="fr-FR" sz="1200" dirty="0"/>
-          </a:p>
-          <a:p>
-            <a:pPr marL="514350" indent="-514350">
-              <a:buFont typeface="+mj-lt"/>
-              <a:buAutoNum type="arabicPeriod"/>
-            </a:pPr>
-            <a:r>
-              <a:rPr lang="fr-FR" sz="1200" dirty="0"/>
               <a:t>Conclusion</a:t>
             </a:r>
           </a:p>
@@ -12823,23 +12712,6 @@
             <a:r>
               <a:rPr lang="fr-FR" sz="1200" dirty="0"/>
               <a:t>Démonstration</a:t>
-            </a:r>
-          </a:p>
-          <a:p>
-            <a:pPr marL="514350" indent="-514350">
-              <a:buFont typeface="+mj-lt"/>
-              <a:buAutoNum type="arabicPeriod"/>
-            </a:pPr>
-            <a:endParaRPr lang="fr-FR" sz="1200" dirty="0"/>
-          </a:p>
-          <a:p>
-            <a:pPr marL="514350" indent="-514350">
-              <a:buFont typeface="+mj-lt"/>
-              <a:buAutoNum type="arabicPeriod"/>
-            </a:pPr>
-            <a:r>
-              <a:rPr lang="fr-FR" sz="1200" dirty="0"/>
-              <a:t>Bilan</a:t>
             </a:r>
           </a:p>
           <a:p>
